--- a/PPT/5 Prisma Foundation.pptx
+++ b/PPT/5 Prisma Foundation.pptx
@@ -6,6 +6,8 @@
   </p:sldMasterIdLst>
   <p:sldIdLst>
     <p:sldId id="266" r:id="rId2"/>
+    <p:sldId id="267" r:id="rId3"/>
+    <p:sldId id="268" r:id="rId4"/>
   </p:sldIdLst>
   <p:sldSz cx="12192000" cy="6858000"/>
   <p:notesSz cx="6858000" cy="9144000"/>
@@ -134,7 +136,7 @@
           <p:cNvPr id="2" name="Title 1">
             <a:extLst>
               <a:ext uri="{FF2B5EF4-FFF2-40B4-BE49-F238E27FC236}">
-                <a16:creationId xmlns="" xmlns:a16="http://schemas.microsoft.com/office/drawing/2014/main" id="{4F535356-3A05-431A-B684-61303E49D3C0}"/>
+                <a16:creationId xmlns:a16="http://schemas.microsoft.com/office/drawing/2014/main" xmlns="" id="{4F535356-3A05-431A-B684-61303E49D3C0}"/>
               </a:ext>
             </a:extLst>
           </p:cNvPr>
@@ -171,7 +173,7 @@
           <p:cNvPr id="3" name="Subtitle 2">
             <a:extLst>
               <a:ext uri="{FF2B5EF4-FFF2-40B4-BE49-F238E27FC236}">
-                <a16:creationId xmlns="" xmlns:a16="http://schemas.microsoft.com/office/drawing/2014/main" id="{9B297690-11D6-4E5A-9CC4-C9BFF89E9029}"/>
+                <a16:creationId xmlns:a16="http://schemas.microsoft.com/office/drawing/2014/main" xmlns="" id="{9B297690-11D6-4E5A-9CC4-C9BFF89E9029}"/>
               </a:ext>
             </a:extLst>
           </p:cNvPr>
@@ -241,7 +243,7 @@
           <p:cNvPr id="4" name="Date Placeholder 3">
             <a:extLst>
               <a:ext uri="{FF2B5EF4-FFF2-40B4-BE49-F238E27FC236}">
-                <a16:creationId xmlns="" xmlns:a16="http://schemas.microsoft.com/office/drawing/2014/main" id="{C11416C7-A55A-44B2-98E1-5A0C165F057C}"/>
+                <a16:creationId xmlns:a16="http://schemas.microsoft.com/office/drawing/2014/main" xmlns="" id="{C11416C7-A55A-44B2-98E1-5A0C165F057C}"/>
               </a:ext>
             </a:extLst>
           </p:cNvPr>
@@ -270,7 +272,7 @@
           <p:cNvPr id="5" name="Footer Placeholder 4">
             <a:extLst>
               <a:ext uri="{FF2B5EF4-FFF2-40B4-BE49-F238E27FC236}">
-                <a16:creationId xmlns="" xmlns:a16="http://schemas.microsoft.com/office/drawing/2014/main" id="{F44705EA-58C8-4E74-B8C8-107ECFDDA934}"/>
+                <a16:creationId xmlns:a16="http://schemas.microsoft.com/office/drawing/2014/main" xmlns="" id="{F44705EA-58C8-4E74-B8C8-107ECFDDA934}"/>
               </a:ext>
             </a:extLst>
           </p:cNvPr>
@@ -295,7 +297,7 @@
           <p:cNvPr id="6" name="Slide Number Placeholder 5">
             <a:extLst>
               <a:ext uri="{FF2B5EF4-FFF2-40B4-BE49-F238E27FC236}">
-                <a16:creationId xmlns="" xmlns:a16="http://schemas.microsoft.com/office/drawing/2014/main" id="{0C3F21B4-7CE3-4576-8D91-8D6CA4E9FF70}"/>
+                <a16:creationId xmlns:a16="http://schemas.microsoft.com/office/drawing/2014/main" xmlns="" id="{0C3F21B4-7CE3-4576-8D91-8D6CA4E9FF70}"/>
               </a:ext>
             </a:extLst>
           </p:cNvPr>
@@ -354,7 +356,7 @@
           <p:cNvPr id="2" name="Title 1">
             <a:extLst>
               <a:ext uri="{FF2B5EF4-FFF2-40B4-BE49-F238E27FC236}">
-                <a16:creationId xmlns="" xmlns:a16="http://schemas.microsoft.com/office/drawing/2014/main" id="{CCC9BA34-C9AE-4260-8B0A-496416BD3AAF}"/>
+                <a16:creationId xmlns:a16="http://schemas.microsoft.com/office/drawing/2014/main" xmlns="" id="{CCC9BA34-C9AE-4260-8B0A-496416BD3AAF}"/>
               </a:ext>
             </a:extLst>
           </p:cNvPr>
@@ -382,7 +384,7 @@
           <p:cNvPr id="3" name="Vertical Text Placeholder 2">
             <a:extLst>
               <a:ext uri="{FF2B5EF4-FFF2-40B4-BE49-F238E27FC236}">
-                <a16:creationId xmlns="" xmlns:a16="http://schemas.microsoft.com/office/drawing/2014/main" id="{296FACED-E9F3-45E3-ADD2-EBED32B317E6}"/>
+                <a16:creationId xmlns:a16="http://schemas.microsoft.com/office/drawing/2014/main" xmlns="" id="{296FACED-E9F3-45E3-ADD2-EBED32B317E6}"/>
               </a:ext>
             </a:extLst>
           </p:cNvPr>
@@ -439,7 +441,7 @@
           <p:cNvPr id="4" name="Date Placeholder 3">
             <a:extLst>
               <a:ext uri="{FF2B5EF4-FFF2-40B4-BE49-F238E27FC236}">
-                <a16:creationId xmlns="" xmlns:a16="http://schemas.microsoft.com/office/drawing/2014/main" id="{802C344B-1C65-436F-8B1F-D567F0B9FC9C}"/>
+                <a16:creationId xmlns:a16="http://schemas.microsoft.com/office/drawing/2014/main" xmlns="" id="{802C344B-1C65-436F-8B1F-D567F0B9FC9C}"/>
               </a:ext>
             </a:extLst>
           </p:cNvPr>
@@ -468,7 +470,7 @@
           <p:cNvPr id="5" name="Footer Placeholder 4">
             <a:extLst>
               <a:ext uri="{FF2B5EF4-FFF2-40B4-BE49-F238E27FC236}">
-                <a16:creationId xmlns="" xmlns:a16="http://schemas.microsoft.com/office/drawing/2014/main" id="{4A7B22BB-7C8F-4C65-8464-BC5213B83143}"/>
+                <a16:creationId xmlns:a16="http://schemas.microsoft.com/office/drawing/2014/main" xmlns="" id="{4A7B22BB-7C8F-4C65-8464-BC5213B83143}"/>
               </a:ext>
             </a:extLst>
           </p:cNvPr>
@@ -493,7 +495,7 @@
           <p:cNvPr id="6" name="Slide Number Placeholder 5">
             <a:extLst>
               <a:ext uri="{FF2B5EF4-FFF2-40B4-BE49-F238E27FC236}">
-                <a16:creationId xmlns="" xmlns:a16="http://schemas.microsoft.com/office/drawing/2014/main" id="{60939837-CAF9-4417-9D53-3AEB992EF0B8}"/>
+                <a16:creationId xmlns:a16="http://schemas.microsoft.com/office/drawing/2014/main" xmlns="" id="{60939837-CAF9-4417-9D53-3AEB992EF0B8}"/>
               </a:ext>
             </a:extLst>
           </p:cNvPr>
@@ -552,7 +554,7 @@
           <p:cNvPr id="2" name="Vertical Title 1">
             <a:extLst>
               <a:ext uri="{FF2B5EF4-FFF2-40B4-BE49-F238E27FC236}">
-                <a16:creationId xmlns="" xmlns:a16="http://schemas.microsoft.com/office/drawing/2014/main" id="{E0CCEE94-7384-49A2-A7F8-EC875D50E51F}"/>
+                <a16:creationId xmlns:a16="http://schemas.microsoft.com/office/drawing/2014/main" xmlns="" id="{E0CCEE94-7384-49A2-A7F8-EC875D50E51F}"/>
               </a:ext>
             </a:extLst>
           </p:cNvPr>
@@ -585,7 +587,7 @@
           <p:cNvPr id="3" name="Vertical Text Placeholder 2">
             <a:extLst>
               <a:ext uri="{FF2B5EF4-FFF2-40B4-BE49-F238E27FC236}">
-                <a16:creationId xmlns="" xmlns:a16="http://schemas.microsoft.com/office/drawing/2014/main" id="{C6500690-3462-47A1-AC67-6A675F82B17C}"/>
+                <a16:creationId xmlns:a16="http://schemas.microsoft.com/office/drawing/2014/main" xmlns="" id="{C6500690-3462-47A1-AC67-6A675F82B17C}"/>
               </a:ext>
             </a:extLst>
           </p:cNvPr>
@@ -647,7 +649,7 @@
           <p:cNvPr id="4" name="Date Placeholder 3">
             <a:extLst>
               <a:ext uri="{FF2B5EF4-FFF2-40B4-BE49-F238E27FC236}">
-                <a16:creationId xmlns="" xmlns:a16="http://schemas.microsoft.com/office/drawing/2014/main" id="{79278BDF-C4E4-4859-9684-9BA1F67733CC}"/>
+                <a16:creationId xmlns:a16="http://schemas.microsoft.com/office/drawing/2014/main" xmlns="" id="{79278BDF-C4E4-4859-9684-9BA1F67733CC}"/>
               </a:ext>
             </a:extLst>
           </p:cNvPr>
@@ -676,7 +678,7 @@
           <p:cNvPr id="5" name="Footer Placeholder 4">
             <a:extLst>
               <a:ext uri="{FF2B5EF4-FFF2-40B4-BE49-F238E27FC236}">
-                <a16:creationId xmlns="" xmlns:a16="http://schemas.microsoft.com/office/drawing/2014/main" id="{86AADD24-F7FD-40BC-93BE-EECC440721CD}"/>
+                <a16:creationId xmlns:a16="http://schemas.microsoft.com/office/drawing/2014/main" xmlns="" id="{86AADD24-F7FD-40BC-93BE-EECC440721CD}"/>
               </a:ext>
             </a:extLst>
           </p:cNvPr>
@@ -701,7 +703,7 @@
           <p:cNvPr id="6" name="Slide Number Placeholder 5">
             <a:extLst>
               <a:ext uri="{FF2B5EF4-FFF2-40B4-BE49-F238E27FC236}">
-                <a16:creationId xmlns="" xmlns:a16="http://schemas.microsoft.com/office/drawing/2014/main" id="{F88C7385-6A64-4128-BAB7-DB2A9A356E13}"/>
+                <a16:creationId xmlns:a16="http://schemas.microsoft.com/office/drawing/2014/main" xmlns="" id="{F88C7385-6A64-4128-BAB7-DB2A9A356E13}"/>
               </a:ext>
             </a:extLst>
           </p:cNvPr>
@@ -760,7 +762,7 @@
           <p:cNvPr id="2" name="Title 1">
             <a:extLst>
               <a:ext uri="{FF2B5EF4-FFF2-40B4-BE49-F238E27FC236}">
-                <a16:creationId xmlns="" xmlns:a16="http://schemas.microsoft.com/office/drawing/2014/main" id="{80F2D37A-155C-4FA5-B056-2872350C1657}"/>
+                <a16:creationId xmlns:a16="http://schemas.microsoft.com/office/drawing/2014/main" xmlns="" id="{80F2D37A-155C-4FA5-B056-2872350C1657}"/>
               </a:ext>
             </a:extLst>
           </p:cNvPr>
@@ -788,7 +790,7 @@
           <p:cNvPr id="3" name="Content Placeholder 2">
             <a:extLst>
               <a:ext uri="{FF2B5EF4-FFF2-40B4-BE49-F238E27FC236}">
-                <a16:creationId xmlns="" xmlns:a16="http://schemas.microsoft.com/office/drawing/2014/main" id="{F703D469-773A-44B3-BCC2-A33D186ECA31}"/>
+                <a16:creationId xmlns:a16="http://schemas.microsoft.com/office/drawing/2014/main" xmlns="" id="{F703D469-773A-44B3-BCC2-A33D186ECA31}"/>
               </a:ext>
             </a:extLst>
           </p:cNvPr>
@@ -845,7 +847,7 @@
           <p:cNvPr id="4" name="Date Placeholder 3">
             <a:extLst>
               <a:ext uri="{FF2B5EF4-FFF2-40B4-BE49-F238E27FC236}">
-                <a16:creationId xmlns="" xmlns:a16="http://schemas.microsoft.com/office/drawing/2014/main" id="{6C745484-09CE-4BD2-A91C-FDF128E50C71}"/>
+                <a16:creationId xmlns:a16="http://schemas.microsoft.com/office/drawing/2014/main" xmlns="" id="{6C745484-09CE-4BD2-A91C-FDF128E50C71}"/>
               </a:ext>
             </a:extLst>
           </p:cNvPr>
@@ -874,7 +876,7 @@
           <p:cNvPr id="5" name="Footer Placeholder 4">
             <a:extLst>
               <a:ext uri="{FF2B5EF4-FFF2-40B4-BE49-F238E27FC236}">
-                <a16:creationId xmlns="" xmlns:a16="http://schemas.microsoft.com/office/drawing/2014/main" id="{1CE4898E-3DFE-43AA-834C-A902E7371DF6}"/>
+                <a16:creationId xmlns:a16="http://schemas.microsoft.com/office/drawing/2014/main" xmlns="" id="{1CE4898E-3DFE-43AA-834C-A902E7371DF6}"/>
               </a:ext>
             </a:extLst>
           </p:cNvPr>
@@ -899,7 +901,7 @@
           <p:cNvPr id="6" name="Slide Number Placeholder 5">
             <a:extLst>
               <a:ext uri="{FF2B5EF4-FFF2-40B4-BE49-F238E27FC236}">
-                <a16:creationId xmlns="" xmlns:a16="http://schemas.microsoft.com/office/drawing/2014/main" id="{D98D3619-2B1A-4F1B-867D-DAFAAED213D2}"/>
+                <a16:creationId xmlns:a16="http://schemas.microsoft.com/office/drawing/2014/main" xmlns="" id="{D98D3619-2B1A-4F1B-867D-DAFAAED213D2}"/>
               </a:ext>
             </a:extLst>
           </p:cNvPr>
@@ -958,7 +960,7 @@
           <p:cNvPr id="2" name="Title 1">
             <a:extLst>
               <a:ext uri="{FF2B5EF4-FFF2-40B4-BE49-F238E27FC236}">
-                <a16:creationId xmlns="" xmlns:a16="http://schemas.microsoft.com/office/drawing/2014/main" id="{93027247-A6E8-4364-8C9D-B2AF8D2CA644}"/>
+                <a16:creationId xmlns:a16="http://schemas.microsoft.com/office/drawing/2014/main" xmlns="" id="{93027247-A6E8-4364-8C9D-B2AF8D2CA644}"/>
               </a:ext>
             </a:extLst>
           </p:cNvPr>
@@ -995,7 +997,7 @@
           <p:cNvPr id="3" name="Text Placeholder 2">
             <a:extLst>
               <a:ext uri="{FF2B5EF4-FFF2-40B4-BE49-F238E27FC236}">
-                <a16:creationId xmlns="" xmlns:a16="http://schemas.microsoft.com/office/drawing/2014/main" id="{91C4D00C-10F3-4A40-A79E-6ECEA849659E}"/>
+                <a16:creationId xmlns:a16="http://schemas.microsoft.com/office/drawing/2014/main" xmlns="" id="{91C4D00C-10F3-4A40-A79E-6ECEA849659E}"/>
               </a:ext>
             </a:extLst>
           </p:cNvPr>
@@ -1120,7 +1122,7 @@
           <p:cNvPr id="4" name="Date Placeholder 3">
             <a:extLst>
               <a:ext uri="{FF2B5EF4-FFF2-40B4-BE49-F238E27FC236}">
-                <a16:creationId xmlns="" xmlns:a16="http://schemas.microsoft.com/office/drawing/2014/main" id="{F7B05C93-F4B2-4F38-B2B4-B0DFFAAF0064}"/>
+                <a16:creationId xmlns:a16="http://schemas.microsoft.com/office/drawing/2014/main" xmlns="" id="{F7B05C93-F4B2-4F38-B2B4-B0DFFAAF0064}"/>
               </a:ext>
             </a:extLst>
           </p:cNvPr>
@@ -1149,7 +1151,7 @@
           <p:cNvPr id="5" name="Footer Placeholder 4">
             <a:extLst>
               <a:ext uri="{FF2B5EF4-FFF2-40B4-BE49-F238E27FC236}">
-                <a16:creationId xmlns="" xmlns:a16="http://schemas.microsoft.com/office/drawing/2014/main" id="{BCBCE96B-06E4-462A-B314-2F69EDC78F0F}"/>
+                <a16:creationId xmlns:a16="http://schemas.microsoft.com/office/drawing/2014/main" xmlns="" id="{BCBCE96B-06E4-462A-B314-2F69EDC78F0F}"/>
               </a:ext>
             </a:extLst>
           </p:cNvPr>
@@ -1174,7 +1176,7 @@
           <p:cNvPr id="6" name="Slide Number Placeholder 5">
             <a:extLst>
               <a:ext uri="{FF2B5EF4-FFF2-40B4-BE49-F238E27FC236}">
-                <a16:creationId xmlns="" xmlns:a16="http://schemas.microsoft.com/office/drawing/2014/main" id="{AFD06B13-434E-48BA-ABF1-B5228AC4D401}"/>
+                <a16:creationId xmlns:a16="http://schemas.microsoft.com/office/drawing/2014/main" xmlns="" id="{AFD06B13-434E-48BA-ABF1-B5228AC4D401}"/>
               </a:ext>
             </a:extLst>
           </p:cNvPr>
@@ -1233,7 +1235,7 @@
           <p:cNvPr id="2" name="Title 1">
             <a:extLst>
               <a:ext uri="{FF2B5EF4-FFF2-40B4-BE49-F238E27FC236}">
-                <a16:creationId xmlns="" xmlns:a16="http://schemas.microsoft.com/office/drawing/2014/main" id="{E9369BCB-1AE4-4FC8-AF2D-F87AD93B50FC}"/>
+                <a16:creationId xmlns:a16="http://schemas.microsoft.com/office/drawing/2014/main" xmlns="" id="{E9369BCB-1AE4-4FC8-AF2D-F87AD93B50FC}"/>
               </a:ext>
             </a:extLst>
           </p:cNvPr>
@@ -1261,7 +1263,7 @@
           <p:cNvPr id="3" name="Content Placeholder 2">
             <a:extLst>
               <a:ext uri="{FF2B5EF4-FFF2-40B4-BE49-F238E27FC236}">
-                <a16:creationId xmlns="" xmlns:a16="http://schemas.microsoft.com/office/drawing/2014/main" id="{2D2ACA7C-A8C4-44EB-9D8B-BFB804DDF47D}"/>
+                <a16:creationId xmlns:a16="http://schemas.microsoft.com/office/drawing/2014/main" xmlns="" id="{2D2ACA7C-A8C4-44EB-9D8B-BFB804DDF47D}"/>
               </a:ext>
             </a:extLst>
           </p:cNvPr>
@@ -1323,7 +1325,7 @@
           <p:cNvPr id="4" name="Content Placeholder 3">
             <a:extLst>
               <a:ext uri="{FF2B5EF4-FFF2-40B4-BE49-F238E27FC236}">
-                <a16:creationId xmlns="" xmlns:a16="http://schemas.microsoft.com/office/drawing/2014/main" id="{802BBA57-14F8-4A72-8E5B-07BE01DF7D73}"/>
+                <a16:creationId xmlns:a16="http://schemas.microsoft.com/office/drawing/2014/main" xmlns="" id="{802BBA57-14F8-4A72-8E5B-07BE01DF7D73}"/>
               </a:ext>
             </a:extLst>
           </p:cNvPr>
@@ -1385,7 +1387,7 @@
           <p:cNvPr id="5" name="Date Placeholder 4">
             <a:extLst>
               <a:ext uri="{FF2B5EF4-FFF2-40B4-BE49-F238E27FC236}">
-                <a16:creationId xmlns="" xmlns:a16="http://schemas.microsoft.com/office/drawing/2014/main" id="{7A42AF21-121E-484C-B172-7533D9EF8B6A}"/>
+                <a16:creationId xmlns:a16="http://schemas.microsoft.com/office/drawing/2014/main" xmlns="" id="{7A42AF21-121E-484C-B172-7533D9EF8B6A}"/>
               </a:ext>
             </a:extLst>
           </p:cNvPr>
@@ -1414,7 +1416,7 @@
           <p:cNvPr id="6" name="Footer Placeholder 5">
             <a:extLst>
               <a:ext uri="{FF2B5EF4-FFF2-40B4-BE49-F238E27FC236}">
-                <a16:creationId xmlns="" xmlns:a16="http://schemas.microsoft.com/office/drawing/2014/main" id="{3345619D-AFBE-4EF9-AA98-707AD60A8A4D}"/>
+                <a16:creationId xmlns:a16="http://schemas.microsoft.com/office/drawing/2014/main" xmlns="" id="{3345619D-AFBE-4EF9-AA98-707AD60A8A4D}"/>
               </a:ext>
             </a:extLst>
           </p:cNvPr>
@@ -1439,7 +1441,7 @@
           <p:cNvPr id="7" name="Slide Number Placeholder 6">
             <a:extLst>
               <a:ext uri="{FF2B5EF4-FFF2-40B4-BE49-F238E27FC236}">
-                <a16:creationId xmlns="" xmlns:a16="http://schemas.microsoft.com/office/drawing/2014/main" id="{C5CF6074-A3D8-433D-AE41-23CDE85553C7}"/>
+                <a16:creationId xmlns:a16="http://schemas.microsoft.com/office/drawing/2014/main" xmlns="" id="{C5CF6074-A3D8-433D-AE41-23CDE85553C7}"/>
               </a:ext>
             </a:extLst>
           </p:cNvPr>
@@ -1498,7 +1500,7 @@
           <p:cNvPr id="2" name="Title 1">
             <a:extLst>
               <a:ext uri="{FF2B5EF4-FFF2-40B4-BE49-F238E27FC236}">
-                <a16:creationId xmlns="" xmlns:a16="http://schemas.microsoft.com/office/drawing/2014/main" id="{2A1C9217-5CF2-49A9-9BFE-85D8BBC20D33}"/>
+                <a16:creationId xmlns:a16="http://schemas.microsoft.com/office/drawing/2014/main" xmlns="" id="{2A1C9217-5CF2-49A9-9BFE-85D8BBC20D33}"/>
               </a:ext>
             </a:extLst>
           </p:cNvPr>
@@ -1531,7 +1533,7 @@
           <p:cNvPr id="3" name="Text Placeholder 2">
             <a:extLst>
               <a:ext uri="{FF2B5EF4-FFF2-40B4-BE49-F238E27FC236}">
-                <a16:creationId xmlns="" xmlns:a16="http://schemas.microsoft.com/office/drawing/2014/main" id="{3F163B92-FC9B-47EE-B098-9566F8EA90A8}"/>
+                <a16:creationId xmlns:a16="http://schemas.microsoft.com/office/drawing/2014/main" xmlns="" id="{3F163B92-FC9B-47EE-B098-9566F8EA90A8}"/>
               </a:ext>
             </a:extLst>
           </p:cNvPr>
@@ -1602,7 +1604,7 @@
           <p:cNvPr id="4" name="Content Placeholder 3">
             <a:extLst>
               <a:ext uri="{FF2B5EF4-FFF2-40B4-BE49-F238E27FC236}">
-                <a16:creationId xmlns="" xmlns:a16="http://schemas.microsoft.com/office/drawing/2014/main" id="{CC312AD5-B562-46A6-8BBA-370932110E8E}"/>
+                <a16:creationId xmlns:a16="http://schemas.microsoft.com/office/drawing/2014/main" xmlns="" id="{CC312AD5-B562-46A6-8BBA-370932110E8E}"/>
               </a:ext>
             </a:extLst>
           </p:cNvPr>
@@ -1664,7 +1666,7 @@
           <p:cNvPr id="5" name="Text Placeholder 4">
             <a:extLst>
               <a:ext uri="{FF2B5EF4-FFF2-40B4-BE49-F238E27FC236}">
-                <a16:creationId xmlns="" xmlns:a16="http://schemas.microsoft.com/office/drawing/2014/main" id="{7113ABC6-54A7-4A21-A42E-F1A27A7F3078}"/>
+                <a16:creationId xmlns:a16="http://schemas.microsoft.com/office/drawing/2014/main" xmlns="" id="{7113ABC6-54A7-4A21-A42E-F1A27A7F3078}"/>
               </a:ext>
             </a:extLst>
           </p:cNvPr>
@@ -1735,7 +1737,7 @@
           <p:cNvPr id="6" name="Content Placeholder 5">
             <a:extLst>
               <a:ext uri="{FF2B5EF4-FFF2-40B4-BE49-F238E27FC236}">
-                <a16:creationId xmlns="" xmlns:a16="http://schemas.microsoft.com/office/drawing/2014/main" id="{B7E01E44-FB9B-4CCC-B8BD-D30A5682920C}"/>
+                <a16:creationId xmlns:a16="http://schemas.microsoft.com/office/drawing/2014/main" xmlns="" id="{B7E01E44-FB9B-4CCC-B8BD-D30A5682920C}"/>
               </a:ext>
             </a:extLst>
           </p:cNvPr>
@@ -1797,7 +1799,7 @@
           <p:cNvPr id="7" name="Date Placeholder 6">
             <a:extLst>
               <a:ext uri="{FF2B5EF4-FFF2-40B4-BE49-F238E27FC236}">
-                <a16:creationId xmlns="" xmlns:a16="http://schemas.microsoft.com/office/drawing/2014/main" id="{2B754A56-AD07-440F-8C01-85DD8F3181F6}"/>
+                <a16:creationId xmlns:a16="http://schemas.microsoft.com/office/drawing/2014/main" xmlns="" id="{2B754A56-AD07-440F-8C01-85DD8F3181F6}"/>
               </a:ext>
             </a:extLst>
           </p:cNvPr>
@@ -1826,7 +1828,7 @@
           <p:cNvPr id="8" name="Footer Placeholder 7">
             <a:extLst>
               <a:ext uri="{FF2B5EF4-FFF2-40B4-BE49-F238E27FC236}">
-                <a16:creationId xmlns="" xmlns:a16="http://schemas.microsoft.com/office/drawing/2014/main" id="{84A94E45-F887-42DE-A4F8-017795B03D4B}"/>
+                <a16:creationId xmlns:a16="http://schemas.microsoft.com/office/drawing/2014/main" xmlns="" id="{84A94E45-F887-42DE-A4F8-017795B03D4B}"/>
               </a:ext>
             </a:extLst>
           </p:cNvPr>
@@ -1851,7 +1853,7 @@
           <p:cNvPr id="9" name="Slide Number Placeholder 8">
             <a:extLst>
               <a:ext uri="{FF2B5EF4-FFF2-40B4-BE49-F238E27FC236}">
-                <a16:creationId xmlns="" xmlns:a16="http://schemas.microsoft.com/office/drawing/2014/main" id="{3A41BB22-B7A9-4E3A-BA9C-F00299605180}"/>
+                <a16:creationId xmlns:a16="http://schemas.microsoft.com/office/drawing/2014/main" xmlns="" id="{3A41BB22-B7A9-4E3A-BA9C-F00299605180}"/>
               </a:ext>
             </a:extLst>
           </p:cNvPr>
@@ -1910,7 +1912,7 @@
           <p:cNvPr id="2" name="Title 1">
             <a:extLst>
               <a:ext uri="{FF2B5EF4-FFF2-40B4-BE49-F238E27FC236}">
-                <a16:creationId xmlns="" xmlns:a16="http://schemas.microsoft.com/office/drawing/2014/main" id="{0D4A3F82-F329-4894-8542-A96D7D7D3A7B}"/>
+                <a16:creationId xmlns:a16="http://schemas.microsoft.com/office/drawing/2014/main" xmlns="" id="{0D4A3F82-F329-4894-8542-A96D7D7D3A7B}"/>
               </a:ext>
             </a:extLst>
           </p:cNvPr>
@@ -1938,7 +1940,7 @@
           <p:cNvPr id="3" name="Date Placeholder 2">
             <a:extLst>
               <a:ext uri="{FF2B5EF4-FFF2-40B4-BE49-F238E27FC236}">
-                <a16:creationId xmlns="" xmlns:a16="http://schemas.microsoft.com/office/drawing/2014/main" id="{D8560A69-7451-42AB-8EDE-55877DCCC576}"/>
+                <a16:creationId xmlns:a16="http://schemas.microsoft.com/office/drawing/2014/main" xmlns="" id="{D8560A69-7451-42AB-8EDE-55877DCCC576}"/>
               </a:ext>
             </a:extLst>
           </p:cNvPr>
@@ -1967,7 +1969,7 @@
           <p:cNvPr id="4" name="Footer Placeholder 3">
             <a:extLst>
               <a:ext uri="{FF2B5EF4-FFF2-40B4-BE49-F238E27FC236}">
-                <a16:creationId xmlns="" xmlns:a16="http://schemas.microsoft.com/office/drawing/2014/main" id="{EDC485EA-5E68-47B8-B778-76C1B8C1BF64}"/>
+                <a16:creationId xmlns:a16="http://schemas.microsoft.com/office/drawing/2014/main" xmlns="" id="{EDC485EA-5E68-47B8-B778-76C1B8C1BF64}"/>
               </a:ext>
             </a:extLst>
           </p:cNvPr>
@@ -1992,7 +1994,7 @@
           <p:cNvPr id="5" name="Slide Number Placeholder 4">
             <a:extLst>
               <a:ext uri="{FF2B5EF4-FFF2-40B4-BE49-F238E27FC236}">
-                <a16:creationId xmlns="" xmlns:a16="http://schemas.microsoft.com/office/drawing/2014/main" id="{07CFF2DF-7F6F-4E10-9FAD-42832B084425}"/>
+                <a16:creationId xmlns:a16="http://schemas.microsoft.com/office/drawing/2014/main" xmlns="" id="{07CFF2DF-7F6F-4E10-9FAD-42832B084425}"/>
               </a:ext>
             </a:extLst>
           </p:cNvPr>
@@ -2051,7 +2053,7 @@
           <p:cNvPr id="2" name="Date Placeholder 1">
             <a:extLst>
               <a:ext uri="{FF2B5EF4-FFF2-40B4-BE49-F238E27FC236}">
-                <a16:creationId xmlns="" xmlns:a16="http://schemas.microsoft.com/office/drawing/2014/main" id="{95F60988-A73A-455A-814A-BEA4A87180A3}"/>
+                <a16:creationId xmlns:a16="http://schemas.microsoft.com/office/drawing/2014/main" xmlns="" id="{95F60988-A73A-455A-814A-BEA4A87180A3}"/>
               </a:ext>
             </a:extLst>
           </p:cNvPr>
@@ -2080,7 +2082,7 @@
           <p:cNvPr id="3" name="Footer Placeholder 2">
             <a:extLst>
               <a:ext uri="{FF2B5EF4-FFF2-40B4-BE49-F238E27FC236}">
-                <a16:creationId xmlns="" xmlns:a16="http://schemas.microsoft.com/office/drawing/2014/main" id="{60821B36-BD83-45AA-A4F6-E3668031637A}"/>
+                <a16:creationId xmlns:a16="http://schemas.microsoft.com/office/drawing/2014/main" xmlns="" id="{60821B36-BD83-45AA-A4F6-E3668031637A}"/>
               </a:ext>
             </a:extLst>
           </p:cNvPr>
@@ -2105,7 +2107,7 @@
           <p:cNvPr id="4" name="Slide Number Placeholder 3">
             <a:extLst>
               <a:ext uri="{FF2B5EF4-FFF2-40B4-BE49-F238E27FC236}">
-                <a16:creationId xmlns="" xmlns:a16="http://schemas.microsoft.com/office/drawing/2014/main" id="{2ACABF02-4604-49AF-97D7-D26A9E29170D}"/>
+                <a16:creationId xmlns:a16="http://schemas.microsoft.com/office/drawing/2014/main" xmlns="" id="{2ACABF02-4604-49AF-97D7-D26A9E29170D}"/>
               </a:ext>
             </a:extLst>
           </p:cNvPr>
@@ -2164,7 +2166,7 @@
           <p:cNvPr id="2" name="Title 1">
             <a:extLst>
               <a:ext uri="{FF2B5EF4-FFF2-40B4-BE49-F238E27FC236}">
-                <a16:creationId xmlns="" xmlns:a16="http://schemas.microsoft.com/office/drawing/2014/main" id="{C21FC1C9-9246-454C-A049-0B14BC2E1A28}"/>
+                <a16:creationId xmlns:a16="http://schemas.microsoft.com/office/drawing/2014/main" xmlns="" id="{C21FC1C9-9246-454C-A049-0B14BC2E1A28}"/>
               </a:ext>
             </a:extLst>
           </p:cNvPr>
@@ -2201,7 +2203,7 @@
           <p:cNvPr id="3" name="Content Placeholder 2">
             <a:extLst>
               <a:ext uri="{FF2B5EF4-FFF2-40B4-BE49-F238E27FC236}">
-                <a16:creationId xmlns="" xmlns:a16="http://schemas.microsoft.com/office/drawing/2014/main" id="{8F938CD0-56F2-434F-AD6C-56356C6EB746}"/>
+                <a16:creationId xmlns:a16="http://schemas.microsoft.com/office/drawing/2014/main" xmlns="" id="{8F938CD0-56F2-434F-AD6C-56356C6EB746}"/>
               </a:ext>
             </a:extLst>
           </p:cNvPr>
@@ -2291,7 +2293,7 @@
           <p:cNvPr id="4" name="Text Placeholder 3">
             <a:extLst>
               <a:ext uri="{FF2B5EF4-FFF2-40B4-BE49-F238E27FC236}">
-                <a16:creationId xmlns="" xmlns:a16="http://schemas.microsoft.com/office/drawing/2014/main" id="{16999759-3DCA-41D0-9B9D-3E42C6E65294}"/>
+                <a16:creationId xmlns:a16="http://schemas.microsoft.com/office/drawing/2014/main" xmlns="" id="{16999759-3DCA-41D0-9B9D-3E42C6E65294}"/>
               </a:ext>
             </a:extLst>
           </p:cNvPr>
@@ -2362,7 +2364,7 @@
           <p:cNvPr id="5" name="Date Placeholder 4">
             <a:extLst>
               <a:ext uri="{FF2B5EF4-FFF2-40B4-BE49-F238E27FC236}">
-                <a16:creationId xmlns="" xmlns:a16="http://schemas.microsoft.com/office/drawing/2014/main" id="{822AF5CF-C2BD-435F-91C9-CF14CBCFA9A1}"/>
+                <a16:creationId xmlns:a16="http://schemas.microsoft.com/office/drawing/2014/main" xmlns="" id="{822AF5CF-C2BD-435F-91C9-CF14CBCFA9A1}"/>
               </a:ext>
             </a:extLst>
           </p:cNvPr>
@@ -2391,7 +2393,7 @@
           <p:cNvPr id="6" name="Footer Placeholder 5">
             <a:extLst>
               <a:ext uri="{FF2B5EF4-FFF2-40B4-BE49-F238E27FC236}">
-                <a16:creationId xmlns="" xmlns:a16="http://schemas.microsoft.com/office/drawing/2014/main" id="{F41DE8A7-2F05-4B1D-A944-BE143212417E}"/>
+                <a16:creationId xmlns:a16="http://schemas.microsoft.com/office/drawing/2014/main" xmlns="" id="{F41DE8A7-2F05-4B1D-A944-BE143212417E}"/>
               </a:ext>
             </a:extLst>
           </p:cNvPr>
@@ -2416,7 +2418,7 @@
           <p:cNvPr id="7" name="Slide Number Placeholder 6">
             <a:extLst>
               <a:ext uri="{FF2B5EF4-FFF2-40B4-BE49-F238E27FC236}">
-                <a16:creationId xmlns="" xmlns:a16="http://schemas.microsoft.com/office/drawing/2014/main" id="{9034D1F9-A8ED-4740-9AB1-DE3717CAA146}"/>
+                <a16:creationId xmlns:a16="http://schemas.microsoft.com/office/drawing/2014/main" xmlns="" id="{9034D1F9-A8ED-4740-9AB1-DE3717CAA146}"/>
               </a:ext>
             </a:extLst>
           </p:cNvPr>
@@ -2475,7 +2477,7 @@
           <p:cNvPr id="2" name="Title 1">
             <a:extLst>
               <a:ext uri="{FF2B5EF4-FFF2-40B4-BE49-F238E27FC236}">
-                <a16:creationId xmlns="" xmlns:a16="http://schemas.microsoft.com/office/drawing/2014/main" id="{509AC113-A557-4C60-995A-A859273E5DC0}"/>
+                <a16:creationId xmlns:a16="http://schemas.microsoft.com/office/drawing/2014/main" xmlns="" id="{509AC113-A557-4C60-995A-A859273E5DC0}"/>
               </a:ext>
             </a:extLst>
           </p:cNvPr>
@@ -2512,7 +2514,7 @@
           <p:cNvPr id="3" name="Picture Placeholder 2">
             <a:extLst>
               <a:ext uri="{FF2B5EF4-FFF2-40B4-BE49-F238E27FC236}">
-                <a16:creationId xmlns="" xmlns:a16="http://schemas.microsoft.com/office/drawing/2014/main" id="{6BF2358B-488E-4F17-AE09-6981E397029A}"/>
+                <a16:creationId xmlns:a16="http://schemas.microsoft.com/office/drawing/2014/main" xmlns="" id="{6BF2358B-488E-4F17-AE09-6981E397029A}"/>
               </a:ext>
             </a:extLst>
           </p:cNvPr>
@@ -2579,7 +2581,7 @@
           <p:cNvPr id="4" name="Text Placeholder 3">
             <a:extLst>
               <a:ext uri="{FF2B5EF4-FFF2-40B4-BE49-F238E27FC236}">
-                <a16:creationId xmlns="" xmlns:a16="http://schemas.microsoft.com/office/drawing/2014/main" id="{984695AC-F039-4A8C-AFB6-6D33E7C4DB83}"/>
+                <a16:creationId xmlns:a16="http://schemas.microsoft.com/office/drawing/2014/main" xmlns="" id="{984695AC-F039-4A8C-AFB6-6D33E7C4DB83}"/>
               </a:ext>
             </a:extLst>
           </p:cNvPr>
@@ -2650,7 +2652,7 @@
           <p:cNvPr id="5" name="Date Placeholder 4">
             <a:extLst>
               <a:ext uri="{FF2B5EF4-FFF2-40B4-BE49-F238E27FC236}">
-                <a16:creationId xmlns="" xmlns:a16="http://schemas.microsoft.com/office/drawing/2014/main" id="{C88D8C3D-F16F-4F2D-B712-588086B91E6A}"/>
+                <a16:creationId xmlns:a16="http://schemas.microsoft.com/office/drawing/2014/main" xmlns="" id="{C88D8C3D-F16F-4F2D-B712-588086B91E6A}"/>
               </a:ext>
             </a:extLst>
           </p:cNvPr>
@@ -2679,7 +2681,7 @@
           <p:cNvPr id="6" name="Footer Placeholder 5">
             <a:extLst>
               <a:ext uri="{FF2B5EF4-FFF2-40B4-BE49-F238E27FC236}">
-                <a16:creationId xmlns="" xmlns:a16="http://schemas.microsoft.com/office/drawing/2014/main" id="{364CF711-B22F-45E2-B927-CF55EC6D0F77}"/>
+                <a16:creationId xmlns:a16="http://schemas.microsoft.com/office/drawing/2014/main" xmlns="" id="{364CF711-B22F-45E2-B927-CF55EC6D0F77}"/>
               </a:ext>
             </a:extLst>
           </p:cNvPr>
@@ -2704,7 +2706,7 @@
           <p:cNvPr id="7" name="Slide Number Placeholder 6">
             <a:extLst>
               <a:ext uri="{FF2B5EF4-FFF2-40B4-BE49-F238E27FC236}">
-                <a16:creationId xmlns="" xmlns:a16="http://schemas.microsoft.com/office/drawing/2014/main" id="{36938C1C-8966-452D-B2D3-952CBB7F7F84}"/>
+                <a16:creationId xmlns:a16="http://schemas.microsoft.com/office/drawing/2014/main" xmlns="" id="{36938C1C-8966-452D-B2D3-952CBB7F7F84}"/>
               </a:ext>
             </a:extLst>
           </p:cNvPr>
@@ -2768,7 +2770,7 @@
           <p:cNvPr id="2" name="Title Placeholder 1">
             <a:extLst>
               <a:ext uri="{FF2B5EF4-FFF2-40B4-BE49-F238E27FC236}">
-                <a16:creationId xmlns="" xmlns:a16="http://schemas.microsoft.com/office/drawing/2014/main" id="{55BEA057-583E-4995-BD44-387E30A806C8}"/>
+                <a16:creationId xmlns:a16="http://schemas.microsoft.com/office/drawing/2014/main" xmlns="" id="{55BEA057-583E-4995-BD44-387E30A806C8}"/>
               </a:ext>
             </a:extLst>
           </p:cNvPr>
@@ -2806,7 +2808,7 @@
           <p:cNvPr id="3" name="Text Placeholder 2">
             <a:extLst>
               <a:ext uri="{FF2B5EF4-FFF2-40B4-BE49-F238E27FC236}">
-                <a16:creationId xmlns="" xmlns:a16="http://schemas.microsoft.com/office/drawing/2014/main" id="{328F1DDD-E76A-41B4-9E53-EEAD8F589C57}"/>
+                <a16:creationId xmlns:a16="http://schemas.microsoft.com/office/drawing/2014/main" xmlns="" id="{328F1DDD-E76A-41B4-9E53-EEAD8F589C57}"/>
               </a:ext>
             </a:extLst>
           </p:cNvPr>
@@ -2873,7 +2875,7 @@
           <p:cNvPr id="4" name="Date Placeholder 3">
             <a:extLst>
               <a:ext uri="{FF2B5EF4-FFF2-40B4-BE49-F238E27FC236}">
-                <a16:creationId xmlns="" xmlns:a16="http://schemas.microsoft.com/office/drawing/2014/main" id="{9D6263A5-6D36-4426-8434-6F0FD47ED732}"/>
+                <a16:creationId xmlns:a16="http://schemas.microsoft.com/office/drawing/2014/main" xmlns="" id="{9D6263A5-6D36-4426-8434-6F0FD47ED732}"/>
               </a:ext>
             </a:extLst>
           </p:cNvPr>
@@ -2920,7 +2922,7 @@
           <p:cNvPr id="5" name="Footer Placeholder 4">
             <a:extLst>
               <a:ext uri="{FF2B5EF4-FFF2-40B4-BE49-F238E27FC236}">
-                <a16:creationId xmlns="" xmlns:a16="http://schemas.microsoft.com/office/drawing/2014/main" id="{D473CD9D-1673-4D1F-9612-387BEB813BAF}"/>
+                <a16:creationId xmlns:a16="http://schemas.microsoft.com/office/drawing/2014/main" xmlns="" id="{D473CD9D-1673-4D1F-9612-387BEB813BAF}"/>
               </a:ext>
             </a:extLst>
           </p:cNvPr>
@@ -2963,7 +2965,7 @@
           <p:cNvPr id="6" name="Slide Number Placeholder 5">
             <a:extLst>
               <a:ext uri="{FF2B5EF4-FFF2-40B4-BE49-F238E27FC236}">
-                <a16:creationId xmlns="" xmlns:a16="http://schemas.microsoft.com/office/drawing/2014/main" id="{1E416345-41D2-471B-9529-9686C27F5A09}"/>
+                <a16:creationId xmlns:a16="http://schemas.microsoft.com/office/drawing/2014/main" xmlns="" id="{1E416345-41D2-471B-9529-9686C27F5A09}"/>
               </a:ext>
             </a:extLst>
           </p:cNvPr>
@@ -3363,18 +3365,320 @@
           <a:lstStyle/>
           <a:p>
             <a:r>
-              <a:rPr lang="en-US" sz="2400" b="1" dirty="0">
+              <a:rPr lang="en-US" sz="2400" b="1" dirty="0" smtClean="0">
                 <a:solidFill>
                   <a:srgbClr val="00B050"/>
                 </a:solidFill>
                 <a:latin typeface="Roboto" panose="02000000000000000000" pitchFamily="2" charset="0"/>
                 <a:ea typeface="Roboto" panose="02000000000000000000" pitchFamily="2" charset="0"/>
               </a:rPr>
-              <a:t>NEXT JS</a:t>
-            </a:r>
-          </a:p>
-        </p:txBody>
-      </p:sp>
+              <a:t>PRISMA</a:t>
+            </a:r>
+            <a:endParaRPr lang="en-US" sz="2400" b="1" dirty="0">
+              <a:solidFill>
+                <a:srgbClr val="00B050"/>
+              </a:solidFill>
+              <a:latin typeface="Roboto" panose="02000000000000000000" pitchFamily="2" charset="0"/>
+              <a:ea typeface="Roboto" panose="02000000000000000000" pitchFamily="2" charset="0"/>
+            </a:endParaRPr>
+          </a:p>
+        </p:txBody>
+      </p:sp>
+      <p:sp>
+        <p:nvSpPr>
+          <p:cNvPr id="3" name="TextBox 2"/>
+          <p:cNvSpPr txBox="1"/>
+          <p:nvPr/>
+        </p:nvSpPr>
+        <p:spPr>
+          <a:xfrm>
+            <a:off x="1135921" y="3067878"/>
+            <a:ext cx="9932501" cy="646331"/>
+          </a:xfrm>
+          <a:prstGeom prst="rect">
+            <a:avLst/>
+          </a:prstGeom>
+          <a:noFill/>
+        </p:spPr>
+        <p:txBody>
+          <a:bodyPr wrap="square" rtlCol="0">
+            <a:spAutoFit/>
+          </a:bodyPr>
+          <a:lstStyle/>
+          <a:p>
+            <a:r>
+              <a:rPr lang="en-US" dirty="0" err="1" smtClean="0">
+                <a:latin typeface="Roboto" panose="02000000000000000000" pitchFamily="2" charset="0"/>
+                <a:ea typeface="Roboto" panose="02000000000000000000" pitchFamily="2" charset="0"/>
+              </a:rPr>
+              <a:t>Prisma</a:t>
+            </a:r>
+            <a:r>
+              <a:rPr lang="en-US" dirty="0" smtClean="0">
+                <a:latin typeface="Roboto" panose="02000000000000000000" pitchFamily="2" charset="0"/>
+                <a:ea typeface="Roboto" panose="02000000000000000000" pitchFamily="2" charset="0"/>
+              </a:rPr>
+              <a:t> is an open source next-generation ORM. Works with MySQL, </a:t>
+            </a:r>
+            <a:r>
+              <a:rPr lang="en-US" dirty="0" err="1" smtClean="0">
+                <a:latin typeface="Roboto" panose="02000000000000000000" pitchFamily="2" charset="0"/>
+                <a:ea typeface="Roboto" panose="02000000000000000000" pitchFamily="2" charset="0"/>
+              </a:rPr>
+              <a:t>SQLite,MSSQL</a:t>
+            </a:r>
+            <a:r>
+              <a:rPr lang="en-US" dirty="0" smtClean="0">
+                <a:latin typeface="Roboto" panose="02000000000000000000" pitchFamily="2" charset="0"/>
+                <a:ea typeface="Roboto" panose="02000000000000000000" pitchFamily="2" charset="0"/>
+              </a:rPr>
+              <a:t>,</a:t>
+            </a:r>
+            <a:r>
+              <a:rPr lang="en-US" b="1" dirty="0">
+                <a:latin typeface="Roboto" panose="02000000000000000000" pitchFamily="2" charset="0"/>
+                <a:ea typeface="Roboto" panose="02000000000000000000" pitchFamily="2" charset="0"/>
+              </a:rPr>
+              <a:t> </a:t>
+            </a:r>
+            <a:r>
+              <a:rPr lang="en-US" dirty="0" smtClean="0">
+                <a:latin typeface="Roboto" panose="02000000000000000000" pitchFamily="2" charset="0"/>
+                <a:ea typeface="Roboto" panose="02000000000000000000" pitchFamily="2" charset="0"/>
+              </a:rPr>
+              <a:t>PostgreSQL and also with </a:t>
+            </a:r>
+            <a:r>
+              <a:rPr lang="en-US" dirty="0" err="1" smtClean="0">
+                <a:latin typeface="Roboto" panose="02000000000000000000" pitchFamily="2" charset="0"/>
+                <a:ea typeface="Roboto" panose="02000000000000000000" pitchFamily="2" charset="0"/>
+              </a:rPr>
+              <a:t>mongoDB</a:t>
+            </a:r>
+            <a:r>
+              <a:rPr lang="en-US" dirty="0">
+                <a:latin typeface="Roboto" panose="02000000000000000000" pitchFamily="2" charset="0"/>
+                <a:ea typeface="Roboto" panose="02000000000000000000" pitchFamily="2" charset="0"/>
+              </a:rPr>
+              <a:t>.</a:t>
+            </a:r>
+          </a:p>
+        </p:txBody>
+      </p:sp>
+      <p:sp>
+        <p:nvSpPr>
+          <p:cNvPr id="4" name="TextBox 3"/>
+          <p:cNvSpPr txBox="1"/>
+          <p:nvPr/>
+        </p:nvSpPr>
+        <p:spPr>
+          <a:xfrm>
+            <a:off x="1135921" y="3909393"/>
+            <a:ext cx="9714519" cy="1246495"/>
+          </a:xfrm>
+          <a:prstGeom prst="rect">
+            <a:avLst/>
+          </a:prstGeom>
+          <a:noFill/>
+        </p:spPr>
+        <p:txBody>
+          <a:bodyPr wrap="none" rtlCol="0">
+            <a:spAutoFit/>
+          </a:bodyPr>
+          <a:lstStyle/>
+          <a:p>
+            <a:pPr marL="285750" indent="-285750">
+              <a:lnSpc>
+                <a:spcPct val="150000"/>
+              </a:lnSpc>
+              <a:buFont typeface="Arial" panose="020B0604020202020204" pitchFamily="34" charset="0"/>
+              <a:buChar char="•"/>
+            </a:pPr>
+            <a:r>
+              <a:rPr lang="en-US" sz="1600" b="1" dirty="0" err="1" smtClean="0">
+                <a:latin typeface="Roboto" panose="02000000000000000000" pitchFamily="2" charset="0"/>
+                <a:ea typeface="Roboto" panose="02000000000000000000" pitchFamily="2" charset="0"/>
+              </a:rPr>
+              <a:t>Prisma</a:t>
+            </a:r>
+            <a:r>
+              <a:rPr lang="en-US" sz="1600" b="1" dirty="0" smtClean="0">
+                <a:latin typeface="Roboto" panose="02000000000000000000" pitchFamily="2" charset="0"/>
+                <a:ea typeface="Roboto" panose="02000000000000000000" pitchFamily="2" charset="0"/>
+              </a:rPr>
+              <a:t> </a:t>
+            </a:r>
+            <a:r>
+              <a:rPr lang="en-US" sz="1600" b="1" dirty="0">
+                <a:latin typeface="Roboto" panose="02000000000000000000" pitchFamily="2" charset="0"/>
+                <a:ea typeface="Roboto" panose="02000000000000000000" pitchFamily="2" charset="0"/>
+              </a:rPr>
+              <a:t>Client: </a:t>
+            </a:r>
+            <a:r>
+              <a:rPr lang="en-US" sz="1600" dirty="0">
+                <a:latin typeface="Roboto" panose="02000000000000000000" pitchFamily="2" charset="0"/>
+                <a:ea typeface="Roboto" panose="02000000000000000000" pitchFamily="2" charset="0"/>
+              </a:rPr>
+              <a:t>Auto-generated and type-safe query builder for </a:t>
+            </a:r>
+            <a:r>
+              <a:rPr lang="en-US" sz="1600" dirty="0" smtClean="0">
+                <a:latin typeface="Roboto" panose="02000000000000000000" pitchFamily="2" charset="0"/>
+                <a:ea typeface="Roboto" panose="02000000000000000000" pitchFamily="2" charset="0"/>
+              </a:rPr>
+              <a:t>Node.js </a:t>
+            </a:r>
+            <a:r>
+              <a:rPr lang="en-US" sz="1600" dirty="0">
+                <a:latin typeface="Roboto" panose="02000000000000000000" pitchFamily="2" charset="0"/>
+                <a:ea typeface="Roboto" panose="02000000000000000000" pitchFamily="2" charset="0"/>
+              </a:rPr>
+              <a:t>&amp; </a:t>
+            </a:r>
+            <a:r>
+              <a:rPr lang="en-US" sz="1600" dirty="0" err="1" smtClean="0">
+                <a:latin typeface="Roboto" panose="02000000000000000000" pitchFamily="2" charset="0"/>
+                <a:ea typeface="Roboto" panose="02000000000000000000" pitchFamily="2" charset="0"/>
+              </a:rPr>
+              <a:t>TypeScript</a:t>
+            </a:r>
+            <a:endParaRPr lang="en-US" sz="1600" dirty="0">
+              <a:latin typeface="Roboto" panose="02000000000000000000" pitchFamily="2" charset="0"/>
+              <a:ea typeface="Roboto" panose="02000000000000000000" pitchFamily="2" charset="0"/>
+            </a:endParaRPr>
+          </a:p>
+          <a:p>
+            <a:pPr marL="285750" indent="-285750">
+              <a:lnSpc>
+                <a:spcPct val="150000"/>
+              </a:lnSpc>
+              <a:buFont typeface="Arial" panose="020B0604020202020204" pitchFamily="34" charset="0"/>
+              <a:buChar char="•"/>
+            </a:pPr>
+            <a:r>
+              <a:rPr lang="en-US" sz="1600" b="1" dirty="0" err="1" smtClean="0">
+                <a:latin typeface="Roboto" panose="02000000000000000000" pitchFamily="2" charset="0"/>
+                <a:ea typeface="Roboto" panose="02000000000000000000" pitchFamily="2" charset="0"/>
+              </a:rPr>
+              <a:t>Prisma</a:t>
+            </a:r>
+            <a:r>
+              <a:rPr lang="en-US" sz="1600" b="1" dirty="0" smtClean="0">
+                <a:latin typeface="Roboto" panose="02000000000000000000" pitchFamily="2" charset="0"/>
+                <a:ea typeface="Roboto" panose="02000000000000000000" pitchFamily="2" charset="0"/>
+              </a:rPr>
+              <a:t> </a:t>
+            </a:r>
+            <a:r>
+              <a:rPr lang="en-US" sz="1600" b="1" dirty="0">
+                <a:latin typeface="Roboto" panose="02000000000000000000" pitchFamily="2" charset="0"/>
+                <a:ea typeface="Roboto" panose="02000000000000000000" pitchFamily="2" charset="0"/>
+              </a:rPr>
+              <a:t>Migrate: </a:t>
+            </a:r>
+            <a:r>
+              <a:rPr lang="en-US" sz="1600" dirty="0">
+                <a:latin typeface="Roboto" panose="02000000000000000000" pitchFamily="2" charset="0"/>
+                <a:ea typeface="Roboto" panose="02000000000000000000" pitchFamily="2" charset="0"/>
+              </a:rPr>
+              <a:t>Migration tool to easily evolve your database schema </a:t>
+            </a:r>
+            <a:r>
+              <a:rPr lang="en-US" sz="1600" dirty="0" smtClean="0">
+                <a:latin typeface="Roboto" panose="02000000000000000000" pitchFamily="2" charset="0"/>
+                <a:ea typeface="Roboto" panose="02000000000000000000" pitchFamily="2" charset="0"/>
+              </a:rPr>
+              <a:t>from </a:t>
+            </a:r>
+            <a:r>
+              <a:rPr lang="en-US" sz="1600" dirty="0">
+                <a:latin typeface="Roboto" panose="02000000000000000000" pitchFamily="2" charset="0"/>
+                <a:ea typeface="Roboto" panose="02000000000000000000" pitchFamily="2" charset="0"/>
+              </a:rPr>
+              <a:t>prototyping to </a:t>
+            </a:r>
+            <a:r>
+              <a:rPr lang="en-US" sz="1600" dirty="0" smtClean="0">
+                <a:latin typeface="Roboto" panose="02000000000000000000" pitchFamily="2" charset="0"/>
+                <a:ea typeface="Roboto" panose="02000000000000000000" pitchFamily="2" charset="0"/>
+              </a:rPr>
+              <a:t>production</a:t>
+            </a:r>
+            <a:endParaRPr lang="en-US" sz="1600" dirty="0">
+              <a:latin typeface="Roboto" panose="02000000000000000000" pitchFamily="2" charset="0"/>
+              <a:ea typeface="Roboto" panose="02000000000000000000" pitchFamily="2" charset="0"/>
+            </a:endParaRPr>
+          </a:p>
+          <a:p>
+            <a:pPr marL="285750" indent="-285750">
+              <a:lnSpc>
+                <a:spcPct val="150000"/>
+              </a:lnSpc>
+              <a:buFont typeface="Arial" panose="020B0604020202020204" pitchFamily="34" charset="0"/>
+              <a:buChar char="•"/>
+            </a:pPr>
+            <a:r>
+              <a:rPr lang="en-US" sz="1600" b="1" dirty="0" err="1" smtClean="0">
+                <a:latin typeface="Roboto" panose="02000000000000000000" pitchFamily="2" charset="0"/>
+                <a:ea typeface="Roboto" panose="02000000000000000000" pitchFamily="2" charset="0"/>
+              </a:rPr>
+              <a:t>Prisma</a:t>
+            </a:r>
+            <a:r>
+              <a:rPr lang="en-US" sz="1600" b="1" dirty="0" smtClean="0">
+                <a:latin typeface="Roboto" panose="02000000000000000000" pitchFamily="2" charset="0"/>
+                <a:ea typeface="Roboto" panose="02000000000000000000" pitchFamily="2" charset="0"/>
+              </a:rPr>
+              <a:t> </a:t>
+            </a:r>
+            <a:r>
+              <a:rPr lang="en-US" sz="1600" b="1" dirty="0">
+                <a:latin typeface="Roboto" panose="02000000000000000000" pitchFamily="2" charset="0"/>
+                <a:ea typeface="Roboto" panose="02000000000000000000" pitchFamily="2" charset="0"/>
+              </a:rPr>
+              <a:t>Studio: </a:t>
+            </a:r>
+            <a:r>
+              <a:rPr lang="en-US" sz="1600" dirty="0">
+                <a:latin typeface="Roboto" panose="02000000000000000000" pitchFamily="2" charset="0"/>
+                <a:ea typeface="Roboto" panose="02000000000000000000" pitchFamily="2" charset="0"/>
+              </a:rPr>
+              <a:t>GUI to view and edit data in your database</a:t>
+            </a:r>
+          </a:p>
+        </p:txBody>
+      </p:sp>
+      <p:pic>
+        <p:nvPicPr>
+          <p:cNvPr id="5" name="Picture 4"/>
+          <p:cNvPicPr>
+            <a:picLocks noChangeAspect="1"/>
+          </p:cNvPicPr>
+          <p:nvPr/>
+        </p:nvPicPr>
+        <p:blipFill>
+          <a:blip r:embed="rId3">
+            <a:extLst>
+              <a:ext uri="{28A0092B-C50C-407E-A947-70E740481C1C}">
+                <a14:useLocalDpi xmlns:a14="http://schemas.microsoft.com/office/drawing/2010/main" val="0"/>
+              </a:ext>
+            </a:extLst>
+          </a:blip>
+          <a:stretch>
+            <a:fillRect/>
+          </a:stretch>
+        </p:blipFill>
+        <p:spPr>
+          <a:xfrm>
+            <a:off x="3477036" y="1032335"/>
+            <a:ext cx="4614169" cy="1937951"/>
+          </a:xfrm>
+          <a:prstGeom prst="rect">
+            <a:avLst/>
+          </a:prstGeom>
+        </p:spPr>
+      </p:pic>
     </p:spTree>
     <p:extLst>
       <p:ext uri="{BB962C8B-B14F-4D97-AF65-F5344CB8AC3E}">
@@ -3388,7 +3692,1698 @@
   <p:timing>
     <p:tnLst>
       <p:par>
-        <p:cTn id="1" dur="indefinite" restart="never" nodeType="tmRoot"/>
+        <p:cTn id="1" dur="indefinite" restart="never" nodeType="tmRoot">
+          <p:childTnLst>
+            <p:seq concurrent="1" nextAc="seek">
+              <p:cTn id="2" dur="indefinite" nodeType="mainSeq">
+                <p:childTnLst>
+                  <p:par>
+                    <p:cTn id="3" fill="hold">
+                      <p:stCondLst>
+                        <p:cond delay="indefinite"/>
+                      </p:stCondLst>
+                      <p:childTnLst>
+                        <p:par>
+                          <p:cTn id="4" fill="hold">
+                            <p:stCondLst>
+                              <p:cond delay="0"/>
+                            </p:stCondLst>
+                            <p:childTnLst>
+                              <p:par>
+                                <p:cTn id="5" presetID="42" presetClass="entr" presetSubtype="0" fill="hold" nodeType="clickEffect">
+                                  <p:stCondLst>
+                                    <p:cond delay="0"/>
+                                  </p:stCondLst>
+                                  <p:childTnLst>
+                                    <p:set>
+                                      <p:cBhvr>
+                                        <p:cTn id="6" dur="1" fill="hold">
+                                          <p:stCondLst>
+                                            <p:cond delay="0"/>
+                                          </p:stCondLst>
+                                        </p:cTn>
+                                        <p:tgtEl>
+                                          <p:spTgt spid="3">
+                                            <p:txEl>
+                                              <p:pRg st="0" end="0"/>
+                                            </p:txEl>
+                                          </p:spTgt>
+                                        </p:tgtEl>
+                                        <p:attrNameLst>
+                                          <p:attrName>style.visibility</p:attrName>
+                                        </p:attrNameLst>
+                                      </p:cBhvr>
+                                      <p:to>
+                                        <p:strVal val="visible"/>
+                                      </p:to>
+                                    </p:set>
+                                    <p:animEffect transition="in" filter="fade">
+                                      <p:cBhvr>
+                                        <p:cTn id="7" dur="1000"/>
+                                        <p:tgtEl>
+                                          <p:spTgt spid="3">
+                                            <p:txEl>
+                                              <p:pRg st="0" end="0"/>
+                                            </p:txEl>
+                                          </p:spTgt>
+                                        </p:tgtEl>
+                                      </p:cBhvr>
+                                    </p:animEffect>
+                                    <p:anim calcmode="lin" valueType="num">
+                                      <p:cBhvr>
+                                        <p:cTn id="8" dur="1000" fill="hold"/>
+                                        <p:tgtEl>
+                                          <p:spTgt spid="3">
+                                            <p:txEl>
+                                              <p:pRg st="0" end="0"/>
+                                            </p:txEl>
+                                          </p:spTgt>
+                                        </p:tgtEl>
+                                        <p:attrNameLst>
+                                          <p:attrName>ppt_x</p:attrName>
+                                        </p:attrNameLst>
+                                      </p:cBhvr>
+                                      <p:tavLst>
+                                        <p:tav tm="0">
+                                          <p:val>
+                                            <p:strVal val="#ppt_x"/>
+                                          </p:val>
+                                        </p:tav>
+                                        <p:tav tm="100000">
+                                          <p:val>
+                                            <p:strVal val="#ppt_x"/>
+                                          </p:val>
+                                        </p:tav>
+                                      </p:tavLst>
+                                    </p:anim>
+                                    <p:anim calcmode="lin" valueType="num">
+                                      <p:cBhvr>
+                                        <p:cTn id="9" dur="1000" fill="hold"/>
+                                        <p:tgtEl>
+                                          <p:spTgt spid="3">
+                                            <p:txEl>
+                                              <p:pRg st="0" end="0"/>
+                                            </p:txEl>
+                                          </p:spTgt>
+                                        </p:tgtEl>
+                                        <p:attrNameLst>
+                                          <p:attrName>ppt_y</p:attrName>
+                                        </p:attrNameLst>
+                                      </p:cBhvr>
+                                      <p:tavLst>
+                                        <p:tav tm="0">
+                                          <p:val>
+                                            <p:strVal val="#ppt_y+.1"/>
+                                          </p:val>
+                                        </p:tav>
+                                        <p:tav tm="100000">
+                                          <p:val>
+                                            <p:strVal val="#ppt_y"/>
+                                          </p:val>
+                                        </p:tav>
+                                      </p:tavLst>
+                                    </p:anim>
+                                  </p:childTnLst>
+                                </p:cTn>
+                              </p:par>
+                            </p:childTnLst>
+                          </p:cTn>
+                        </p:par>
+                      </p:childTnLst>
+                    </p:cTn>
+                  </p:par>
+                  <p:par>
+                    <p:cTn id="10" fill="hold">
+                      <p:stCondLst>
+                        <p:cond delay="indefinite"/>
+                      </p:stCondLst>
+                      <p:childTnLst>
+                        <p:par>
+                          <p:cTn id="11" fill="hold">
+                            <p:stCondLst>
+                              <p:cond delay="0"/>
+                            </p:stCondLst>
+                            <p:childTnLst>
+                              <p:par>
+                                <p:cTn id="12" presetID="22" presetClass="entr" presetSubtype="4" fill="hold" nodeType="clickEffect">
+                                  <p:stCondLst>
+                                    <p:cond delay="0"/>
+                                  </p:stCondLst>
+                                  <p:childTnLst>
+                                    <p:set>
+                                      <p:cBhvr>
+                                        <p:cTn id="13" dur="1" fill="hold">
+                                          <p:stCondLst>
+                                            <p:cond delay="0"/>
+                                          </p:stCondLst>
+                                        </p:cTn>
+                                        <p:tgtEl>
+                                          <p:spTgt spid="4">
+                                            <p:txEl>
+                                              <p:pRg st="0" end="0"/>
+                                            </p:txEl>
+                                          </p:spTgt>
+                                        </p:tgtEl>
+                                        <p:attrNameLst>
+                                          <p:attrName>style.visibility</p:attrName>
+                                        </p:attrNameLst>
+                                      </p:cBhvr>
+                                      <p:to>
+                                        <p:strVal val="visible"/>
+                                      </p:to>
+                                    </p:set>
+                                    <p:animEffect transition="in" filter="wipe(down)">
+                                      <p:cBhvr>
+                                        <p:cTn id="14" dur="500"/>
+                                        <p:tgtEl>
+                                          <p:spTgt spid="4">
+                                            <p:txEl>
+                                              <p:pRg st="0" end="0"/>
+                                            </p:txEl>
+                                          </p:spTgt>
+                                        </p:tgtEl>
+                                      </p:cBhvr>
+                                    </p:animEffect>
+                                  </p:childTnLst>
+                                </p:cTn>
+                              </p:par>
+                            </p:childTnLst>
+                          </p:cTn>
+                        </p:par>
+                      </p:childTnLst>
+                    </p:cTn>
+                  </p:par>
+                  <p:par>
+                    <p:cTn id="15" fill="hold">
+                      <p:stCondLst>
+                        <p:cond delay="indefinite"/>
+                      </p:stCondLst>
+                      <p:childTnLst>
+                        <p:par>
+                          <p:cTn id="16" fill="hold">
+                            <p:stCondLst>
+                              <p:cond delay="0"/>
+                            </p:stCondLst>
+                            <p:childTnLst>
+                              <p:par>
+                                <p:cTn id="17" presetID="22" presetClass="entr" presetSubtype="4" fill="hold" nodeType="clickEffect">
+                                  <p:stCondLst>
+                                    <p:cond delay="0"/>
+                                  </p:stCondLst>
+                                  <p:childTnLst>
+                                    <p:set>
+                                      <p:cBhvr>
+                                        <p:cTn id="18" dur="1" fill="hold">
+                                          <p:stCondLst>
+                                            <p:cond delay="0"/>
+                                          </p:stCondLst>
+                                        </p:cTn>
+                                        <p:tgtEl>
+                                          <p:spTgt spid="4">
+                                            <p:txEl>
+                                              <p:pRg st="1" end="1"/>
+                                            </p:txEl>
+                                          </p:spTgt>
+                                        </p:tgtEl>
+                                        <p:attrNameLst>
+                                          <p:attrName>style.visibility</p:attrName>
+                                        </p:attrNameLst>
+                                      </p:cBhvr>
+                                      <p:to>
+                                        <p:strVal val="visible"/>
+                                      </p:to>
+                                    </p:set>
+                                    <p:animEffect transition="in" filter="wipe(down)">
+                                      <p:cBhvr>
+                                        <p:cTn id="19" dur="500"/>
+                                        <p:tgtEl>
+                                          <p:spTgt spid="4">
+                                            <p:txEl>
+                                              <p:pRg st="1" end="1"/>
+                                            </p:txEl>
+                                          </p:spTgt>
+                                        </p:tgtEl>
+                                      </p:cBhvr>
+                                    </p:animEffect>
+                                  </p:childTnLst>
+                                </p:cTn>
+                              </p:par>
+                            </p:childTnLst>
+                          </p:cTn>
+                        </p:par>
+                      </p:childTnLst>
+                    </p:cTn>
+                  </p:par>
+                  <p:par>
+                    <p:cTn id="20" fill="hold">
+                      <p:stCondLst>
+                        <p:cond delay="indefinite"/>
+                      </p:stCondLst>
+                      <p:childTnLst>
+                        <p:par>
+                          <p:cTn id="21" fill="hold">
+                            <p:stCondLst>
+                              <p:cond delay="0"/>
+                            </p:stCondLst>
+                            <p:childTnLst>
+                              <p:par>
+                                <p:cTn id="22" presetID="22" presetClass="entr" presetSubtype="4" fill="hold" nodeType="clickEffect">
+                                  <p:stCondLst>
+                                    <p:cond delay="0"/>
+                                  </p:stCondLst>
+                                  <p:childTnLst>
+                                    <p:set>
+                                      <p:cBhvr>
+                                        <p:cTn id="23" dur="1" fill="hold">
+                                          <p:stCondLst>
+                                            <p:cond delay="0"/>
+                                          </p:stCondLst>
+                                        </p:cTn>
+                                        <p:tgtEl>
+                                          <p:spTgt spid="4">
+                                            <p:txEl>
+                                              <p:pRg st="2" end="2"/>
+                                            </p:txEl>
+                                          </p:spTgt>
+                                        </p:tgtEl>
+                                        <p:attrNameLst>
+                                          <p:attrName>style.visibility</p:attrName>
+                                        </p:attrNameLst>
+                                      </p:cBhvr>
+                                      <p:to>
+                                        <p:strVal val="visible"/>
+                                      </p:to>
+                                    </p:set>
+                                    <p:animEffect transition="in" filter="wipe(down)">
+                                      <p:cBhvr>
+                                        <p:cTn id="24" dur="500"/>
+                                        <p:tgtEl>
+                                          <p:spTgt spid="4">
+                                            <p:txEl>
+                                              <p:pRg st="2" end="2"/>
+                                            </p:txEl>
+                                          </p:spTgt>
+                                        </p:tgtEl>
+                                      </p:cBhvr>
+                                    </p:animEffect>
+                                  </p:childTnLst>
+                                </p:cTn>
+                              </p:par>
+                            </p:childTnLst>
+                          </p:cTn>
+                        </p:par>
+                      </p:childTnLst>
+                    </p:cTn>
+                  </p:par>
+                </p:childTnLst>
+              </p:cTn>
+              <p:prevCondLst>
+                <p:cond evt="onPrev" delay="0">
+                  <p:tgtEl>
+                    <p:sldTgt/>
+                  </p:tgtEl>
+                </p:cond>
+              </p:prevCondLst>
+              <p:nextCondLst>
+                <p:cond evt="onNext" delay="0">
+                  <p:tgtEl>
+                    <p:sldTgt/>
+                  </p:tgtEl>
+                </p:cond>
+              </p:nextCondLst>
+            </p:seq>
+          </p:childTnLst>
+        </p:cTn>
+      </p:par>
+    </p:tnLst>
+  </p:timing>
+</p:sld>
+</file>
+
+<file path=ppt/slides/slide2.xml><?xml version="1.0" encoding="utf-8"?>
+<p:sld xmlns:a="http://schemas.openxmlformats.org/drawingml/2006/main" xmlns:r="http://schemas.openxmlformats.org/officeDocument/2006/relationships" xmlns:p="http://schemas.openxmlformats.org/presentationml/2006/main">
+  <p:cSld>
+    <p:bg>
+      <p:bgPr>
+        <a:blipFill dpi="0" rotWithShape="1">
+          <a:blip r:embed="rId2">
+            <a:lum/>
+          </a:blip>
+          <a:srcRect/>
+          <a:stretch>
+            <a:fillRect/>
+          </a:stretch>
+        </a:blipFill>
+        <a:effectLst/>
+      </p:bgPr>
+    </p:bg>
+    <p:spTree>
+      <p:nvGrpSpPr>
+        <p:cNvPr id="1" name=""/>
+        <p:cNvGrpSpPr/>
+        <p:nvPr/>
+      </p:nvGrpSpPr>
+      <p:grpSpPr>
+        <a:xfrm>
+          <a:off x="0" y="0"/>
+          <a:ext cx="0" cy="0"/>
+          <a:chOff x="0" y="0"/>
+          <a:chExt cx="0" cy="0"/>
+        </a:xfrm>
+      </p:grpSpPr>
+      <p:sp>
+        <p:nvSpPr>
+          <p:cNvPr id="2" name="TextBox 1"/>
+          <p:cNvSpPr txBox="1"/>
+          <p:nvPr/>
+        </p:nvSpPr>
+        <p:spPr>
+          <a:xfrm>
+            <a:off x="318717" y="152399"/>
+            <a:ext cx="2590136" cy="461665"/>
+          </a:xfrm>
+          <a:prstGeom prst="rect">
+            <a:avLst/>
+          </a:prstGeom>
+          <a:noFill/>
+        </p:spPr>
+        <p:txBody>
+          <a:bodyPr wrap="square" rtlCol="0">
+            <a:spAutoFit/>
+          </a:bodyPr>
+          <a:lstStyle/>
+          <a:p>
+            <a:r>
+              <a:rPr lang="en-US" sz="2400" b="1" dirty="0" smtClean="0">
+                <a:solidFill>
+                  <a:srgbClr val="00B050"/>
+                </a:solidFill>
+                <a:latin typeface="Roboto" panose="02000000000000000000" pitchFamily="2" charset="0"/>
+                <a:ea typeface="Roboto" panose="02000000000000000000" pitchFamily="2" charset="0"/>
+              </a:rPr>
+              <a:t>PRISMA</a:t>
+            </a:r>
+            <a:endParaRPr lang="en-US" sz="2400" b="1" dirty="0">
+              <a:solidFill>
+                <a:srgbClr val="00B050"/>
+              </a:solidFill>
+              <a:latin typeface="Roboto" panose="02000000000000000000" pitchFamily="2" charset="0"/>
+              <a:ea typeface="Roboto" panose="02000000000000000000" pitchFamily="2" charset="0"/>
+            </a:endParaRPr>
+          </a:p>
+        </p:txBody>
+      </p:sp>
+      <p:sp>
+        <p:nvSpPr>
+          <p:cNvPr id="3" name="TextBox 2"/>
+          <p:cNvSpPr txBox="1"/>
+          <p:nvPr/>
+        </p:nvSpPr>
+        <p:spPr>
+          <a:xfrm>
+            <a:off x="430695" y="1093304"/>
+            <a:ext cx="9932501" cy="646331"/>
+          </a:xfrm>
+          <a:prstGeom prst="rect">
+            <a:avLst/>
+          </a:prstGeom>
+          <a:noFill/>
+        </p:spPr>
+        <p:txBody>
+          <a:bodyPr wrap="square" rtlCol="0">
+            <a:spAutoFit/>
+          </a:bodyPr>
+          <a:lstStyle/>
+          <a:p>
+            <a:r>
+              <a:rPr lang="en-US" dirty="0" err="1"/>
+              <a:t>Prisma</a:t>
+            </a:r>
+            <a:r>
+              <a:rPr lang="en-US" dirty="0"/>
+              <a:t> can be used with a wide range of tooling and frameworks, the following links outline how to get started with some of them:</a:t>
+            </a:r>
+            <a:endParaRPr lang="en-US" dirty="0">
+              <a:latin typeface="Roboto" panose="02000000000000000000" pitchFamily="2" charset="0"/>
+              <a:ea typeface="Roboto" panose="02000000000000000000" pitchFamily="2" charset="0"/>
+            </a:endParaRPr>
+          </a:p>
+        </p:txBody>
+      </p:sp>
+      <p:sp>
+        <p:nvSpPr>
+          <p:cNvPr id="4" name="TextBox 3"/>
+          <p:cNvSpPr txBox="1"/>
+          <p:nvPr/>
+        </p:nvSpPr>
+        <p:spPr>
+          <a:xfrm>
+            <a:off x="398548" y="1855306"/>
+            <a:ext cx="2430474" cy="2308324"/>
+          </a:xfrm>
+          <a:prstGeom prst="rect">
+            <a:avLst/>
+          </a:prstGeom>
+          <a:noFill/>
+        </p:spPr>
+        <p:txBody>
+          <a:bodyPr wrap="none" rtlCol="0">
+            <a:spAutoFit/>
+          </a:bodyPr>
+          <a:lstStyle/>
+          <a:p>
+            <a:pPr marL="285750" indent="-285750">
+              <a:lnSpc>
+                <a:spcPct val="150000"/>
+              </a:lnSpc>
+              <a:buFont typeface="Arial" panose="020B0604020202020204" pitchFamily="34" charset="0"/>
+              <a:buChar char="•"/>
+            </a:pPr>
+            <a:r>
+              <a:rPr lang="en-US" sz="1600" b="1" dirty="0" err="1" smtClean="0">
+                <a:latin typeface="Roboto" panose="02000000000000000000" pitchFamily="2" charset="0"/>
+                <a:ea typeface="Roboto" panose="02000000000000000000" pitchFamily="2" charset="0"/>
+              </a:rPr>
+              <a:t>Prisma</a:t>
+            </a:r>
+            <a:r>
+              <a:rPr lang="en-US" sz="1600" b="1" dirty="0" smtClean="0">
+                <a:latin typeface="Roboto" panose="02000000000000000000" pitchFamily="2" charset="0"/>
+                <a:ea typeface="Roboto" panose="02000000000000000000" pitchFamily="2" charset="0"/>
+              </a:rPr>
+              <a:t> </a:t>
+            </a:r>
+            <a:r>
+              <a:rPr lang="en-US" sz="1600" b="1" dirty="0">
+                <a:latin typeface="Roboto" panose="02000000000000000000" pitchFamily="2" charset="0"/>
+                <a:ea typeface="Roboto" panose="02000000000000000000" pitchFamily="2" charset="0"/>
+              </a:rPr>
+              <a:t>with Next.js</a:t>
+            </a:r>
+          </a:p>
+          <a:p>
+            <a:pPr marL="285750" indent="-285750">
+              <a:lnSpc>
+                <a:spcPct val="150000"/>
+              </a:lnSpc>
+              <a:buFont typeface="Arial" panose="020B0604020202020204" pitchFamily="34" charset="0"/>
+              <a:buChar char="•"/>
+            </a:pPr>
+            <a:r>
+              <a:rPr lang="en-US" sz="1600" b="1" dirty="0" err="1" smtClean="0">
+                <a:latin typeface="Roboto" panose="02000000000000000000" pitchFamily="2" charset="0"/>
+                <a:ea typeface="Roboto" panose="02000000000000000000" pitchFamily="2" charset="0"/>
+              </a:rPr>
+              <a:t>Prisma</a:t>
+            </a:r>
+            <a:r>
+              <a:rPr lang="en-US" sz="1600" b="1" dirty="0" smtClean="0">
+                <a:latin typeface="Roboto" panose="02000000000000000000" pitchFamily="2" charset="0"/>
+                <a:ea typeface="Roboto" panose="02000000000000000000" pitchFamily="2" charset="0"/>
+              </a:rPr>
+              <a:t> </a:t>
+            </a:r>
+            <a:r>
+              <a:rPr lang="en-US" sz="1600" b="1" dirty="0">
+                <a:latin typeface="Roboto" panose="02000000000000000000" pitchFamily="2" charset="0"/>
+                <a:ea typeface="Roboto" panose="02000000000000000000" pitchFamily="2" charset="0"/>
+              </a:rPr>
+              <a:t>with </a:t>
+            </a:r>
+            <a:r>
+              <a:rPr lang="en-US" sz="1600" b="1" dirty="0" err="1">
+                <a:latin typeface="Roboto" panose="02000000000000000000" pitchFamily="2" charset="0"/>
+                <a:ea typeface="Roboto" panose="02000000000000000000" pitchFamily="2" charset="0"/>
+              </a:rPr>
+              <a:t>GraphQL</a:t>
+            </a:r>
+            <a:endParaRPr lang="en-US" sz="1600" b="1" dirty="0">
+              <a:latin typeface="Roboto" panose="02000000000000000000" pitchFamily="2" charset="0"/>
+              <a:ea typeface="Roboto" panose="02000000000000000000" pitchFamily="2" charset="0"/>
+            </a:endParaRPr>
+          </a:p>
+          <a:p>
+            <a:pPr marL="285750" indent="-285750">
+              <a:lnSpc>
+                <a:spcPct val="150000"/>
+              </a:lnSpc>
+              <a:buFont typeface="Arial" panose="020B0604020202020204" pitchFamily="34" charset="0"/>
+              <a:buChar char="•"/>
+            </a:pPr>
+            <a:r>
+              <a:rPr lang="en-US" sz="1600" b="1" dirty="0" err="1" smtClean="0">
+                <a:latin typeface="Roboto" panose="02000000000000000000" pitchFamily="2" charset="0"/>
+                <a:ea typeface="Roboto" panose="02000000000000000000" pitchFamily="2" charset="0"/>
+              </a:rPr>
+              <a:t>Prisma</a:t>
+            </a:r>
+            <a:r>
+              <a:rPr lang="en-US" sz="1600" b="1" dirty="0" smtClean="0">
+                <a:latin typeface="Roboto" panose="02000000000000000000" pitchFamily="2" charset="0"/>
+                <a:ea typeface="Roboto" panose="02000000000000000000" pitchFamily="2" charset="0"/>
+              </a:rPr>
+              <a:t> </a:t>
+            </a:r>
+            <a:r>
+              <a:rPr lang="en-US" sz="1600" b="1" dirty="0">
+                <a:latin typeface="Roboto" panose="02000000000000000000" pitchFamily="2" charset="0"/>
+                <a:ea typeface="Roboto" panose="02000000000000000000" pitchFamily="2" charset="0"/>
+              </a:rPr>
+              <a:t>with Apollo</a:t>
+            </a:r>
+          </a:p>
+          <a:p>
+            <a:pPr marL="285750" indent="-285750">
+              <a:lnSpc>
+                <a:spcPct val="150000"/>
+              </a:lnSpc>
+              <a:buFont typeface="Arial" panose="020B0604020202020204" pitchFamily="34" charset="0"/>
+              <a:buChar char="•"/>
+            </a:pPr>
+            <a:r>
+              <a:rPr lang="en-US" sz="1600" b="1" dirty="0" err="1" smtClean="0">
+                <a:latin typeface="Roboto" panose="02000000000000000000" pitchFamily="2" charset="0"/>
+                <a:ea typeface="Roboto" panose="02000000000000000000" pitchFamily="2" charset="0"/>
+              </a:rPr>
+              <a:t>Prisma</a:t>
+            </a:r>
+            <a:r>
+              <a:rPr lang="en-US" sz="1600" b="1" dirty="0" smtClean="0">
+                <a:latin typeface="Roboto" panose="02000000000000000000" pitchFamily="2" charset="0"/>
+                <a:ea typeface="Roboto" panose="02000000000000000000" pitchFamily="2" charset="0"/>
+              </a:rPr>
+              <a:t> </a:t>
+            </a:r>
+            <a:r>
+              <a:rPr lang="en-US" sz="1600" b="1" dirty="0">
+                <a:latin typeface="Roboto" panose="02000000000000000000" pitchFamily="2" charset="0"/>
+                <a:ea typeface="Roboto" panose="02000000000000000000" pitchFamily="2" charset="0"/>
+              </a:rPr>
+              <a:t>with </a:t>
+            </a:r>
+            <a:r>
+              <a:rPr lang="en-US" sz="1600" b="1" dirty="0" err="1">
+                <a:latin typeface="Roboto" panose="02000000000000000000" pitchFamily="2" charset="0"/>
+                <a:ea typeface="Roboto" panose="02000000000000000000" pitchFamily="2" charset="0"/>
+              </a:rPr>
+              <a:t>Nestjs</a:t>
+            </a:r>
+            <a:endParaRPr lang="en-US" sz="1600" b="1" dirty="0">
+              <a:latin typeface="Roboto" panose="02000000000000000000" pitchFamily="2" charset="0"/>
+              <a:ea typeface="Roboto" panose="02000000000000000000" pitchFamily="2" charset="0"/>
+            </a:endParaRPr>
+          </a:p>
+          <a:p>
+            <a:pPr marL="285750" indent="-285750">
+              <a:lnSpc>
+                <a:spcPct val="150000"/>
+              </a:lnSpc>
+              <a:buFont typeface="Arial" panose="020B0604020202020204" pitchFamily="34" charset="0"/>
+              <a:buChar char="•"/>
+            </a:pPr>
+            <a:r>
+              <a:rPr lang="en-US" sz="1600" b="1" dirty="0" err="1" smtClean="0">
+                <a:latin typeface="Roboto" panose="02000000000000000000" pitchFamily="2" charset="0"/>
+                <a:ea typeface="Roboto" panose="02000000000000000000" pitchFamily="2" charset="0"/>
+              </a:rPr>
+              <a:t>Prisma</a:t>
+            </a:r>
+            <a:r>
+              <a:rPr lang="en-US" sz="1600" b="1" dirty="0" smtClean="0">
+                <a:latin typeface="Roboto" panose="02000000000000000000" pitchFamily="2" charset="0"/>
+                <a:ea typeface="Roboto" panose="02000000000000000000" pitchFamily="2" charset="0"/>
+              </a:rPr>
+              <a:t> </a:t>
+            </a:r>
+            <a:r>
+              <a:rPr lang="en-US" sz="1600" b="1" dirty="0">
+                <a:latin typeface="Roboto" panose="02000000000000000000" pitchFamily="2" charset="0"/>
+                <a:ea typeface="Roboto" panose="02000000000000000000" pitchFamily="2" charset="0"/>
+              </a:rPr>
+              <a:t>with Express</a:t>
+            </a:r>
+          </a:p>
+          <a:p>
+            <a:pPr marL="285750" indent="-285750">
+              <a:lnSpc>
+                <a:spcPct val="150000"/>
+              </a:lnSpc>
+              <a:buFont typeface="Arial" panose="020B0604020202020204" pitchFamily="34" charset="0"/>
+              <a:buChar char="•"/>
+            </a:pPr>
+            <a:r>
+              <a:rPr lang="en-US" sz="1600" b="1" dirty="0" err="1" smtClean="0">
+                <a:latin typeface="Roboto" panose="02000000000000000000" pitchFamily="2" charset="0"/>
+                <a:ea typeface="Roboto" panose="02000000000000000000" pitchFamily="2" charset="0"/>
+              </a:rPr>
+              <a:t>Prisma</a:t>
+            </a:r>
+            <a:r>
+              <a:rPr lang="en-US" sz="1600" b="1" dirty="0" smtClean="0">
+                <a:latin typeface="Roboto" panose="02000000000000000000" pitchFamily="2" charset="0"/>
+                <a:ea typeface="Roboto" panose="02000000000000000000" pitchFamily="2" charset="0"/>
+              </a:rPr>
+              <a:t> </a:t>
+            </a:r>
+            <a:r>
+              <a:rPr lang="en-US" sz="1600" b="1" dirty="0">
+                <a:latin typeface="Roboto" panose="02000000000000000000" pitchFamily="2" charset="0"/>
+                <a:ea typeface="Roboto" panose="02000000000000000000" pitchFamily="2" charset="0"/>
+              </a:rPr>
+              <a:t>with </a:t>
+            </a:r>
+            <a:r>
+              <a:rPr lang="en-US" sz="1600" b="1" dirty="0" err="1">
+                <a:latin typeface="Roboto" panose="02000000000000000000" pitchFamily="2" charset="0"/>
+                <a:ea typeface="Roboto" panose="02000000000000000000" pitchFamily="2" charset="0"/>
+              </a:rPr>
+              <a:t>hapi</a:t>
+            </a:r>
+            <a:endParaRPr lang="en-US" sz="1600" dirty="0">
+              <a:latin typeface="Roboto" panose="02000000000000000000" pitchFamily="2" charset="0"/>
+              <a:ea typeface="Roboto" panose="02000000000000000000" pitchFamily="2" charset="0"/>
+            </a:endParaRPr>
+          </a:p>
+        </p:txBody>
+      </p:sp>
+    </p:spTree>
+    <p:extLst>
+      <p:ext uri="{BB962C8B-B14F-4D97-AF65-F5344CB8AC3E}">
+        <p14:creationId xmlns:p14="http://schemas.microsoft.com/office/powerpoint/2010/main" val="1458959662"/>
+      </p:ext>
+    </p:extLst>
+  </p:cSld>
+  <p:clrMapOvr>
+    <a:masterClrMapping/>
+  </p:clrMapOvr>
+  <p:timing>
+    <p:tnLst>
+      <p:par>
+        <p:cTn id="1" dur="indefinite" restart="never" nodeType="tmRoot">
+          <p:childTnLst>
+            <p:seq concurrent="1" nextAc="seek">
+              <p:cTn id="2" dur="indefinite" nodeType="mainSeq">
+                <p:childTnLst>
+                  <p:par>
+                    <p:cTn id="3" fill="hold">
+                      <p:stCondLst>
+                        <p:cond delay="indefinite"/>
+                      </p:stCondLst>
+                      <p:childTnLst>
+                        <p:par>
+                          <p:cTn id="4" fill="hold">
+                            <p:stCondLst>
+                              <p:cond delay="0"/>
+                            </p:stCondLst>
+                            <p:childTnLst>
+                              <p:par>
+                                <p:cTn id="5" presetID="42" presetClass="entr" presetSubtype="0" fill="hold" nodeType="clickEffect">
+                                  <p:stCondLst>
+                                    <p:cond delay="0"/>
+                                  </p:stCondLst>
+                                  <p:childTnLst>
+                                    <p:set>
+                                      <p:cBhvr>
+                                        <p:cTn id="6" dur="1" fill="hold">
+                                          <p:stCondLst>
+                                            <p:cond delay="0"/>
+                                          </p:stCondLst>
+                                        </p:cTn>
+                                        <p:tgtEl>
+                                          <p:spTgt spid="3">
+                                            <p:txEl>
+                                              <p:pRg st="0" end="0"/>
+                                            </p:txEl>
+                                          </p:spTgt>
+                                        </p:tgtEl>
+                                        <p:attrNameLst>
+                                          <p:attrName>style.visibility</p:attrName>
+                                        </p:attrNameLst>
+                                      </p:cBhvr>
+                                      <p:to>
+                                        <p:strVal val="visible"/>
+                                      </p:to>
+                                    </p:set>
+                                    <p:animEffect transition="in" filter="fade">
+                                      <p:cBhvr>
+                                        <p:cTn id="7" dur="1000"/>
+                                        <p:tgtEl>
+                                          <p:spTgt spid="3">
+                                            <p:txEl>
+                                              <p:pRg st="0" end="0"/>
+                                            </p:txEl>
+                                          </p:spTgt>
+                                        </p:tgtEl>
+                                      </p:cBhvr>
+                                    </p:animEffect>
+                                    <p:anim calcmode="lin" valueType="num">
+                                      <p:cBhvr>
+                                        <p:cTn id="8" dur="1000" fill="hold"/>
+                                        <p:tgtEl>
+                                          <p:spTgt spid="3">
+                                            <p:txEl>
+                                              <p:pRg st="0" end="0"/>
+                                            </p:txEl>
+                                          </p:spTgt>
+                                        </p:tgtEl>
+                                        <p:attrNameLst>
+                                          <p:attrName>ppt_x</p:attrName>
+                                        </p:attrNameLst>
+                                      </p:cBhvr>
+                                      <p:tavLst>
+                                        <p:tav tm="0">
+                                          <p:val>
+                                            <p:strVal val="#ppt_x"/>
+                                          </p:val>
+                                        </p:tav>
+                                        <p:tav tm="100000">
+                                          <p:val>
+                                            <p:strVal val="#ppt_x"/>
+                                          </p:val>
+                                        </p:tav>
+                                      </p:tavLst>
+                                    </p:anim>
+                                    <p:anim calcmode="lin" valueType="num">
+                                      <p:cBhvr>
+                                        <p:cTn id="9" dur="1000" fill="hold"/>
+                                        <p:tgtEl>
+                                          <p:spTgt spid="3">
+                                            <p:txEl>
+                                              <p:pRg st="0" end="0"/>
+                                            </p:txEl>
+                                          </p:spTgt>
+                                        </p:tgtEl>
+                                        <p:attrNameLst>
+                                          <p:attrName>ppt_y</p:attrName>
+                                        </p:attrNameLst>
+                                      </p:cBhvr>
+                                      <p:tavLst>
+                                        <p:tav tm="0">
+                                          <p:val>
+                                            <p:strVal val="#ppt_y+.1"/>
+                                          </p:val>
+                                        </p:tav>
+                                        <p:tav tm="100000">
+                                          <p:val>
+                                            <p:strVal val="#ppt_y"/>
+                                          </p:val>
+                                        </p:tav>
+                                      </p:tavLst>
+                                    </p:anim>
+                                  </p:childTnLst>
+                                </p:cTn>
+                              </p:par>
+                            </p:childTnLst>
+                          </p:cTn>
+                        </p:par>
+                      </p:childTnLst>
+                    </p:cTn>
+                  </p:par>
+                  <p:par>
+                    <p:cTn id="10" fill="hold">
+                      <p:stCondLst>
+                        <p:cond delay="indefinite"/>
+                      </p:stCondLst>
+                      <p:childTnLst>
+                        <p:par>
+                          <p:cTn id="11" fill="hold">
+                            <p:stCondLst>
+                              <p:cond delay="0"/>
+                            </p:stCondLst>
+                            <p:childTnLst>
+                              <p:par>
+                                <p:cTn id="12" presetID="22" presetClass="entr" presetSubtype="4" fill="hold" nodeType="clickEffect">
+                                  <p:stCondLst>
+                                    <p:cond delay="0"/>
+                                  </p:stCondLst>
+                                  <p:childTnLst>
+                                    <p:set>
+                                      <p:cBhvr>
+                                        <p:cTn id="13" dur="1" fill="hold">
+                                          <p:stCondLst>
+                                            <p:cond delay="0"/>
+                                          </p:stCondLst>
+                                        </p:cTn>
+                                        <p:tgtEl>
+                                          <p:spTgt spid="4">
+                                            <p:txEl>
+                                              <p:pRg st="0" end="0"/>
+                                            </p:txEl>
+                                          </p:spTgt>
+                                        </p:tgtEl>
+                                        <p:attrNameLst>
+                                          <p:attrName>style.visibility</p:attrName>
+                                        </p:attrNameLst>
+                                      </p:cBhvr>
+                                      <p:to>
+                                        <p:strVal val="visible"/>
+                                      </p:to>
+                                    </p:set>
+                                    <p:animEffect transition="in" filter="wipe(down)">
+                                      <p:cBhvr>
+                                        <p:cTn id="14" dur="500"/>
+                                        <p:tgtEl>
+                                          <p:spTgt spid="4">
+                                            <p:txEl>
+                                              <p:pRg st="0" end="0"/>
+                                            </p:txEl>
+                                          </p:spTgt>
+                                        </p:tgtEl>
+                                      </p:cBhvr>
+                                    </p:animEffect>
+                                  </p:childTnLst>
+                                </p:cTn>
+                              </p:par>
+                            </p:childTnLst>
+                          </p:cTn>
+                        </p:par>
+                      </p:childTnLst>
+                    </p:cTn>
+                  </p:par>
+                  <p:par>
+                    <p:cTn id="15" fill="hold">
+                      <p:stCondLst>
+                        <p:cond delay="indefinite"/>
+                      </p:stCondLst>
+                      <p:childTnLst>
+                        <p:par>
+                          <p:cTn id="16" fill="hold">
+                            <p:stCondLst>
+                              <p:cond delay="0"/>
+                            </p:stCondLst>
+                            <p:childTnLst>
+                              <p:par>
+                                <p:cTn id="17" presetID="22" presetClass="entr" presetSubtype="4" fill="hold" nodeType="clickEffect">
+                                  <p:stCondLst>
+                                    <p:cond delay="0"/>
+                                  </p:stCondLst>
+                                  <p:childTnLst>
+                                    <p:set>
+                                      <p:cBhvr>
+                                        <p:cTn id="18" dur="1" fill="hold">
+                                          <p:stCondLst>
+                                            <p:cond delay="0"/>
+                                          </p:stCondLst>
+                                        </p:cTn>
+                                        <p:tgtEl>
+                                          <p:spTgt spid="4">
+                                            <p:txEl>
+                                              <p:pRg st="1" end="1"/>
+                                            </p:txEl>
+                                          </p:spTgt>
+                                        </p:tgtEl>
+                                        <p:attrNameLst>
+                                          <p:attrName>style.visibility</p:attrName>
+                                        </p:attrNameLst>
+                                      </p:cBhvr>
+                                      <p:to>
+                                        <p:strVal val="visible"/>
+                                      </p:to>
+                                    </p:set>
+                                    <p:animEffect transition="in" filter="wipe(down)">
+                                      <p:cBhvr>
+                                        <p:cTn id="19" dur="500"/>
+                                        <p:tgtEl>
+                                          <p:spTgt spid="4">
+                                            <p:txEl>
+                                              <p:pRg st="1" end="1"/>
+                                            </p:txEl>
+                                          </p:spTgt>
+                                        </p:tgtEl>
+                                      </p:cBhvr>
+                                    </p:animEffect>
+                                  </p:childTnLst>
+                                </p:cTn>
+                              </p:par>
+                            </p:childTnLst>
+                          </p:cTn>
+                        </p:par>
+                      </p:childTnLst>
+                    </p:cTn>
+                  </p:par>
+                  <p:par>
+                    <p:cTn id="20" fill="hold">
+                      <p:stCondLst>
+                        <p:cond delay="indefinite"/>
+                      </p:stCondLst>
+                      <p:childTnLst>
+                        <p:par>
+                          <p:cTn id="21" fill="hold">
+                            <p:stCondLst>
+                              <p:cond delay="0"/>
+                            </p:stCondLst>
+                            <p:childTnLst>
+                              <p:par>
+                                <p:cTn id="22" presetID="22" presetClass="entr" presetSubtype="4" fill="hold" nodeType="clickEffect">
+                                  <p:stCondLst>
+                                    <p:cond delay="0"/>
+                                  </p:stCondLst>
+                                  <p:childTnLst>
+                                    <p:set>
+                                      <p:cBhvr>
+                                        <p:cTn id="23" dur="1" fill="hold">
+                                          <p:stCondLst>
+                                            <p:cond delay="0"/>
+                                          </p:stCondLst>
+                                        </p:cTn>
+                                        <p:tgtEl>
+                                          <p:spTgt spid="4">
+                                            <p:txEl>
+                                              <p:pRg st="2" end="2"/>
+                                            </p:txEl>
+                                          </p:spTgt>
+                                        </p:tgtEl>
+                                        <p:attrNameLst>
+                                          <p:attrName>style.visibility</p:attrName>
+                                        </p:attrNameLst>
+                                      </p:cBhvr>
+                                      <p:to>
+                                        <p:strVal val="visible"/>
+                                      </p:to>
+                                    </p:set>
+                                    <p:animEffect transition="in" filter="wipe(down)">
+                                      <p:cBhvr>
+                                        <p:cTn id="24" dur="500"/>
+                                        <p:tgtEl>
+                                          <p:spTgt spid="4">
+                                            <p:txEl>
+                                              <p:pRg st="2" end="2"/>
+                                            </p:txEl>
+                                          </p:spTgt>
+                                        </p:tgtEl>
+                                      </p:cBhvr>
+                                    </p:animEffect>
+                                  </p:childTnLst>
+                                </p:cTn>
+                              </p:par>
+                            </p:childTnLst>
+                          </p:cTn>
+                        </p:par>
+                      </p:childTnLst>
+                    </p:cTn>
+                  </p:par>
+                  <p:par>
+                    <p:cTn id="25" fill="hold">
+                      <p:stCondLst>
+                        <p:cond delay="indefinite"/>
+                      </p:stCondLst>
+                      <p:childTnLst>
+                        <p:par>
+                          <p:cTn id="26" fill="hold">
+                            <p:stCondLst>
+                              <p:cond delay="0"/>
+                            </p:stCondLst>
+                            <p:childTnLst>
+                              <p:par>
+                                <p:cTn id="27" presetID="22" presetClass="entr" presetSubtype="4" fill="hold" nodeType="clickEffect">
+                                  <p:stCondLst>
+                                    <p:cond delay="0"/>
+                                  </p:stCondLst>
+                                  <p:childTnLst>
+                                    <p:set>
+                                      <p:cBhvr>
+                                        <p:cTn id="28" dur="1" fill="hold">
+                                          <p:stCondLst>
+                                            <p:cond delay="0"/>
+                                          </p:stCondLst>
+                                        </p:cTn>
+                                        <p:tgtEl>
+                                          <p:spTgt spid="4">
+                                            <p:txEl>
+                                              <p:pRg st="3" end="3"/>
+                                            </p:txEl>
+                                          </p:spTgt>
+                                        </p:tgtEl>
+                                        <p:attrNameLst>
+                                          <p:attrName>style.visibility</p:attrName>
+                                        </p:attrNameLst>
+                                      </p:cBhvr>
+                                      <p:to>
+                                        <p:strVal val="visible"/>
+                                      </p:to>
+                                    </p:set>
+                                    <p:animEffect transition="in" filter="wipe(down)">
+                                      <p:cBhvr>
+                                        <p:cTn id="29" dur="500"/>
+                                        <p:tgtEl>
+                                          <p:spTgt spid="4">
+                                            <p:txEl>
+                                              <p:pRg st="3" end="3"/>
+                                            </p:txEl>
+                                          </p:spTgt>
+                                        </p:tgtEl>
+                                      </p:cBhvr>
+                                    </p:animEffect>
+                                  </p:childTnLst>
+                                </p:cTn>
+                              </p:par>
+                            </p:childTnLst>
+                          </p:cTn>
+                        </p:par>
+                      </p:childTnLst>
+                    </p:cTn>
+                  </p:par>
+                  <p:par>
+                    <p:cTn id="30" fill="hold">
+                      <p:stCondLst>
+                        <p:cond delay="indefinite"/>
+                      </p:stCondLst>
+                      <p:childTnLst>
+                        <p:par>
+                          <p:cTn id="31" fill="hold">
+                            <p:stCondLst>
+                              <p:cond delay="0"/>
+                            </p:stCondLst>
+                            <p:childTnLst>
+                              <p:par>
+                                <p:cTn id="32" presetID="22" presetClass="entr" presetSubtype="4" fill="hold" nodeType="clickEffect">
+                                  <p:stCondLst>
+                                    <p:cond delay="0"/>
+                                  </p:stCondLst>
+                                  <p:childTnLst>
+                                    <p:set>
+                                      <p:cBhvr>
+                                        <p:cTn id="33" dur="1" fill="hold">
+                                          <p:stCondLst>
+                                            <p:cond delay="0"/>
+                                          </p:stCondLst>
+                                        </p:cTn>
+                                        <p:tgtEl>
+                                          <p:spTgt spid="4">
+                                            <p:txEl>
+                                              <p:pRg st="4" end="4"/>
+                                            </p:txEl>
+                                          </p:spTgt>
+                                        </p:tgtEl>
+                                        <p:attrNameLst>
+                                          <p:attrName>style.visibility</p:attrName>
+                                        </p:attrNameLst>
+                                      </p:cBhvr>
+                                      <p:to>
+                                        <p:strVal val="visible"/>
+                                      </p:to>
+                                    </p:set>
+                                    <p:animEffect transition="in" filter="wipe(down)">
+                                      <p:cBhvr>
+                                        <p:cTn id="34" dur="500"/>
+                                        <p:tgtEl>
+                                          <p:spTgt spid="4">
+                                            <p:txEl>
+                                              <p:pRg st="4" end="4"/>
+                                            </p:txEl>
+                                          </p:spTgt>
+                                        </p:tgtEl>
+                                      </p:cBhvr>
+                                    </p:animEffect>
+                                  </p:childTnLst>
+                                </p:cTn>
+                              </p:par>
+                            </p:childTnLst>
+                          </p:cTn>
+                        </p:par>
+                      </p:childTnLst>
+                    </p:cTn>
+                  </p:par>
+                  <p:par>
+                    <p:cTn id="35" fill="hold">
+                      <p:stCondLst>
+                        <p:cond delay="indefinite"/>
+                      </p:stCondLst>
+                      <p:childTnLst>
+                        <p:par>
+                          <p:cTn id="36" fill="hold">
+                            <p:stCondLst>
+                              <p:cond delay="0"/>
+                            </p:stCondLst>
+                            <p:childTnLst>
+                              <p:par>
+                                <p:cTn id="37" presetID="22" presetClass="entr" presetSubtype="4" fill="hold" nodeType="clickEffect">
+                                  <p:stCondLst>
+                                    <p:cond delay="0"/>
+                                  </p:stCondLst>
+                                  <p:childTnLst>
+                                    <p:set>
+                                      <p:cBhvr>
+                                        <p:cTn id="38" dur="1" fill="hold">
+                                          <p:stCondLst>
+                                            <p:cond delay="0"/>
+                                          </p:stCondLst>
+                                        </p:cTn>
+                                        <p:tgtEl>
+                                          <p:spTgt spid="4">
+                                            <p:txEl>
+                                              <p:pRg st="5" end="5"/>
+                                            </p:txEl>
+                                          </p:spTgt>
+                                        </p:tgtEl>
+                                        <p:attrNameLst>
+                                          <p:attrName>style.visibility</p:attrName>
+                                        </p:attrNameLst>
+                                      </p:cBhvr>
+                                      <p:to>
+                                        <p:strVal val="visible"/>
+                                      </p:to>
+                                    </p:set>
+                                    <p:animEffect transition="in" filter="wipe(down)">
+                                      <p:cBhvr>
+                                        <p:cTn id="39" dur="500"/>
+                                        <p:tgtEl>
+                                          <p:spTgt spid="4">
+                                            <p:txEl>
+                                              <p:pRg st="5" end="5"/>
+                                            </p:txEl>
+                                          </p:spTgt>
+                                        </p:tgtEl>
+                                      </p:cBhvr>
+                                    </p:animEffect>
+                                  </p:childTnLst>
+                                </p:cTn>
+                              </p:par>
+                            </p:childTnLst>
+                          </p:cTn>
+                        </p:par>
+                      </p:childTnLst>
+                    </p:cTn>
+                  </p:par>
+                </p:childTnLst>
+              </p:cTn>
+              <p:prevCondLst>
+                <p:cond evt="onPrev" delay="0">
+                  <p:tgtEl>
+                    <p:sldTgt/>
+                  </p:tgtEl>
+                </p:cond>
+              </p:prevCondLst>
+              <p:nextCondLst>
+                <p:cond evt="onNext" delay="0">
+                  <p:tgtEl>
+                    <p:sldTgt/>
+                  </p:tgtEl>
+                </p:cond>
+              </p:nextCondLst>
+            </p:seq>
+          </p:childTnLst>
+        </p:cTn>
+      </p:par>
+    </p:tnLst>
+  </p:timing>
+</p:sld>
+</file>
+
+<file path=ppt/slides/slide3.xml><?xml version="1.0" encoding="utf-8"?>
+<p:sld xmlns:a="http://schemas.openxmlformats.org/drawingml/2006/main" xmlns:r="http://schemas.openxmlformats.org/officeDocument/2006/relationships" xmlns:p="http://schemas.openxmlformats.org/presentationml/2006/main">
+  <p:cSld>
+    <p:bg>
+      <p:bgPr>
+        <a:blipFill dpi="0" rotWithShape="1">
+          <a:blip r:embed="rId2">
+            <a:lum/>
+          </a:blip>
+          <a:srcRect/>
+          <a:stretch>
+            <a:fillRect/>
+          </a:stretch>
+        </a:blipFill>
+        <a:effectLst/>
+      </p:bgPr>
+    </p:bg>
+    <p:spTree>
+      <p:nvGrpSpPr>
+        <p:cNvPr id="1" name=""/>
+        <p:cNvGrpSpPr/>
+        <p:nvPr/>
+      </p:nvGrpSpPr>
+      <p:grpSpPr>
+        <a:xfrm>
+          <a:off x="0" y="0"/>
+          <a:ext cx="0" cy="0"/>
+          <a:chOff x="0" y="0"/>
+          <a:chExt cx="0" cy="0"/>
+        </a:xfrm>
+      </p:grpSpPr>
+      <p:sp>
+        <p:nvSpPr>
+          <p:cNvPr id="2" name="TextBox 1"/>
+          <p:cNvSpPr txBox="1"/>
+          <p:nvPr/>
+        </p:nvSpPr>
+        <p:spPr>
+          <a:xfrm>
+            <a:off x="318717" y="152399"/>
+            <a:ext cx="2590136" cy="461665"/>
+          </a:xfrm>
+          <a:prstGeom prst="rect">
+            <a:avLst/>
+          </a:prstGeom>
+          <a:noFill/>
+        </p:spPr>
+        <p:txBody>
+          <a:bodyPr wrap="square" rtlCol="0">
+            <a:spAutoFit/>
+          </a:bodyPr>
+          <a:lstStyle/>
+          <a:p>
+            <a:r>
+              <a:rPr lang="en-US" sz="2400" b="1" dirty="0" smtClean="0">
+                <a:solidFill>
+                  <a:srgbClr val="00B050"/>
+                </a:solidFill>
+                <a:latin typeface="Roboto" panose="02000000000000000000" pitchFamily="2" charset="0"/>
+                <a:ea typeface="Roboto" panose="02000000000000000000" pitchFamily="2" charset="0"/>
+              </a:rPr>
+              <a:t>PRISMA</a:t>
+            </a:r>
+            <a:endParaRPr lang="en-US" sz="2400" b="1" dirty="0">
+              <a:solidFill>
+                <a:srgbClr val="00B050"/>
+              </a:solidFill>
+              <a:latin typeface="Roboto" panose="02000000000000000000" pitchFamily="2" charset="0"/>
+              <a:ea typeface="Roboto" panose="02000000000000000000" pitchFamily="2" charset="0"/>
+            </a:endParaRPr>
+          </a:p>
+        </p:txBody>
+      </p:sp>
+      <p:sp>
+        <p:nvSpPr>
+          <p:cNvPr id="3" name="TextBox 2"/>
+          <p:cNvSpPr txBox="1"/>
+          <p:nvPr/>
+        </p:nvSpPr>
+        <p:spPr>
+          <a:xfrm>
+            <a:off x="430695" y="1093304"/>
+            <a:ext cx="9932501" cy="461665"/>
+          </a:xfrm>
+          <a:prstGeom prst="rect">
+            <a:avLst/>
+          </a:prstGeom>
+          <a:noFill/>
+        </p:spPr>
+        <p:txBody>
+          <a:bodyPr wrap="square" rtlCol="0">
+            <a:spAutoFit/>
+          </a:bodyPr>
+          <a:lstStyle/>
+          <a:p>
+            <a:r>
+              <a:rPr lang="en-US" sz="2400" b="1" dirty="0" smtClean="0"/>
+              <a:t>Tools Installation </a:t>
+            </a:r>
+            <a:endParaRPr lang="en-US" sz="2400" b="1" dirty="0">
+              <a:latin typeface="Roboto" panose="02000000000000000000" pitchFamily="2" charset="0"/>
+              <a:ea typeface="Roboto" panose="02000000000000000000" pitchFamily="2" charset="0"/>
+            </a:endParaRPr>
+          </a:p>
+        </p:txBody>
+      </p:sp>
+      <p:sp>
+        <p:nvSpPr>
+          <p:cNvPr id="4" name="TextBox 3"/>
+          <p:cNvSpPr txBox="1"/>
+          <p:nvPr/>
+        </p:nvSpPr>
+        <p:spPr>
+          <a:xfrm>
+            <a:off x="430695" y="1669776"/>
+            <a:ext cx="3926075" cy="1938992"/>
+          </a:xfrm>
+          <a:prstGeom prst="rect">
+            <a:avLst/>
+          </a:prstGeom>
+          <a:noFill/>
+        </p:spPr>
+        <p:txBody>
+          <a:bodyPr wrap="none" rtlCol="0">
+            <a:spAutoFit/>
+          </a:bodyPr>
+          <a:lstStyle/>
+          <a:p>
+            <a:pPr marL="285750" indent="-285750">
+              <a:lnSpc>
+                <a:spcPct val="150000"/>
+              </a:lnSpc>
+              <a:buFont typeface="Arial" panose="020B0604020202020204" pitchFamily="34" charset="0"/>
+              <a:buChar char="•"/>
+            </a:pPr>
+            <a:r>
+              <a:rPr lang="en-US" sz="1600" dirty="0" smtClean="0">
+                <a:latin typeface="Roboto" panose="02000000000000000000" pitchFamily="2" charset="0"/>
+                <a:ea typeface="Roboto" panose="02000000000000000000" pitchFamily="2" charset="0"/>
+              </a:rPr>
+              <a:t>Node </a:t>
+            </a:r>
+          </a:p>
+          <a:p>
+            <a:pPr marL="285750" indent="-285750">
+              <a:lnSpc>
+                <a:spcPct val="150000"/>
+              </a:lnSpc>
+              <a:buFont typeface="Arial" panose="020B0604020202020204" pitchFamily="34" charset="0"/>
+              <a:buChar char="•"/>
+            </a:pPr>
+            <a:r>
+              <a:rPr lang="en-US" sz="1600" dirty="0" smtClean="0">
+                <a:latin typeface="Roboto" panose="02000000000000000000" pitchFamily="2" charset="0"/>
+                <a:ea typeface="Roboto" panose="02000000000000000000" pitchFamily="2" charset="0"/>
+              </a:rPr>
+              <a:t>Your Code Editor </a:t>
+            </a:r>
+          </a:p>
+          <a:p>
+            <a:pPr marL="285750" indent="-285750">
+              <a:lnSpc>
+                <a:spcPct val="150000"/>
+              </a:lnSpc>
+              <a:buFont typeface="Arial" panose="020B0604020202020204" pitchFamily="34" charset="0"/>
+              <a:buChar char="•"/>
+            </a:pPr>
+            <a:r>
+              <a:rPr lang="en-US" sz="1600" dirty="0" smtClean="0">
+                <a:latin typeface="Roboto" panose="02000000000000000000" pitchFamily="2" charset="0"/>
+                <a:ea typeface="Roboto" panose="02000000000000000000" pitchFamily="2" charset="0"/>
+              </a:rPr>
+              <a:t>XAMPP For MySQL </a:t>
+            </a:r>
+          </a:p>
+          <a:p>
+            <a:pPr marL="285750" indent="-285750">
+              <a:lnSpc>
+                <a:spcPct val="150000"/>
+              </a:lnSpc>
+              <a:buFont typeface="Arial" panose="020B0604020202020204" pitchFamily="34" charset="0"/>
+              <a:buChar char="•"/>
+            </a:pPr>
+            <a:r>
+              <a:rPr lang="en-US" sz="1600" dirty="0" err="1" smtClean="0">
+                <a:latin typeface="Roboto" panose="02000000000000000000" pitchFamily="2" charset="0"/>
+                <a:ea typeface="Roboto" panose="02000000000000000000" pitchFamily="2" charset="0"/>
+              </a:rPr>
+              <a:t>Prisma</a:t>
+            </a:r>
+            <a:r>
+              <a:rPr lang="en-US" sz="1600" dirty="0" smtClean="0">
+                <a:latin typeface="Roboto" panose="02000000000000000000" pitchFamily="2" charset="0"/>
+                <a:ea typeface="Roboto" panose="02000000000000000000" pitchFamily="2" charset="0"/>
+              </a:rPr>
+              <a:t> Studio For Exploring Database</a:t>
+            </a:r>
+          </a:p>
+          <a:p>
+            <a:pPr marL="285750" indent="-285750">
+              <a:lnSpc>
+                <a:spcPct val="150000"/>
+              </a:lnSpc>
+              <a:buFont typeface="Arial" panose="020B0604020202020204" pitchFamily="34" charset="0"/>
+              <a:buChar char="•"/>
+            </a:pPr>
+            <a:r>
+              <a:rPr lang="en-US" sz="1600" dirty="0" smtClean="0">
+                <a:latin typeface="Roboto" panose="02000000000000000000" pitchFamily="2" charset="0"/>
+                <a:ea typeface="Roboto" panose="02000000000000000000" pitchFamily="2" charset="0"/>
+              </a:rPr>
+              <a:t>Install PostgreSQL  </a:t>
+            </a:r>
+            <a:endParaRPr lang="en-US" sz="1600" dirty="0">
+              <a:latin typeface="Roboto" panose="02000000000000000000" pitchFamily="2" charset="0"/>
+              <a:ea typeface="Roboto" panose="02000000000000000000" pitchFamily="2" charset="0"/>
+            </a:endParaRPr>
+          </a:p>
+        </p:txBody>
+      </p:sp>
+    </p:spTree>
+    <p:extLst>
+      <p:ext uri="{BB962C8B-B14F-4D97-AF65-F5344CB8AC3E}">
+        <p14:creationId xmlns:p14="http://schemas.microsoft.com/office/powerpoint/2010/main" val="462559582"/>
+      </p:ext>
+    </p:extLst>
+  </p:cSld>
+  <p:clrMapOvr>
+    <a:masterClrMapping/>
+  </p:clrMapOvr>
+  <p:timing>
+    <p:tnLst>
+      <p:par>
+        <p:cTn id="1" dur="indefinite" restart="never" nodeType="tmRoot">
+          <p:childTnLst>
+            <p:seq concurrent="1" nextAc="seek">
+              <p:cTn id="2" dur="indefinite" nodeType="mainSeq">
+                <p:childTnLst>
+                  <p:par>
+                    <p:cTn id="3" fill="hold">
+                      <p:stCondLst>
+                        <p:cond delay="indefinite"/>
+                      </p:stCondLst>
+                      <p:childTnLst>
+                        <p:par>
+                          <p:cTn id="4" fill="hold">
+                            <p:stCondLst>
+                              <p:cond delay="0"/>
+                            </p:stCondLst>
+                            <p:childTnLst>
+                              <p:par>
+                                <p:cTn id="5" presetID="42" presetClass="entr" presetSubtype="0" fill="hold" nodeType="clickEffect">
+                                  <p:stCondLst>
+                                    <p:cond delay="0"/>
+                                  </p:stCondLst>
+                                  <p:childTnLst>
+                                    <p:set>
+                                      <p:cBhvr>
+                                        <p:cTn id="6" dur="1" fill="hold">
+                                          <p:stCondLst>
+                                            <p:cond delay="0"/>
+                                          </p:stCondLst>
+                                        </p:cTn>
+                                        <p:tgtEl>
+                                          <p:spTgt spid="3">
+                                            <p:txEl>
+                                              <p:pRg st="0" end="0"/>
+                                            </p:txEl>
+                                          </p:spTgt>
+                                        </p:tgtEl>
+                                        <p:attrNameLst>
+                                          <p:attrName>style.visibility</p:attrName>
+                                        </p:attrNameLst>
+                                      </p:cBhvr>
+                                      <p:to>
+                                        <p:strVal val="visible"/>
+                                      </p:to>
+                                    </p:set>
+                                    <p:animEffect transition="in" filter="fade">
+                                      <p:cBhvr>
+                                        <p:cTn id="7" dur="1000"/>
+                                        <p:tgtEl>
+                                          <p:spTgt spid="3">
+                                            <p:txEl>
+                                              <p:pRg st="0" end="0"/>
+                                            </p:txEl>
+                                          </p:spTgt>
+                                        </p:tgtEl>
+                                      </p:cBhvr>
+                                    </p:animEffect>
+                                    <p:anim calcmode="lin" valueType="num">
+                                      <p:cBhvr>
+                                        <p:cTn id="8" dur="1000" fill="hold"/>
+                                        <p:tgtEl>
+                                          <p:spTgt spid="3">
+                                            <p:txEl>
+                                              <p:pRg st="0" end="0"/>
+                                            </p:txEl>
+                                          </p:spTgt>
+                                        </p:tgtEl>
+                                        <p:attrNameLst>
+                                          <p:attrName>ppt_x</p:attrName>
+                                        </p:attrNameLst>
+                                      </p:cBhvr>
+                                      <p:tavLst>
+                                        <p:tav tm="0">
+                                          <p:val>
+                                            <p:strVal val="#ppt_x"/>
+                                          </p:val>
+                                        </p:tav>
+                                        <p:tav tm="100000">
+                                          <p:val>
+                                            <p:strVal val="#ppt_x"/>
+                                          </p:val>
+                                        </p:tav>
+                                      </p:tavLst>
+                                    </p:anim>
+                                    <p:anim calcmode="lin" valueType="num">
+                                      <p:cBhvr>
+                                        <p:cTn id="9" dur="1000" fill="hold"/>
+                                        <p:tgtEl>
+                                          <p:spTgt spid="3">
+                                            <p:txEl>
+                                              <p:pRg st="0" end="0"/>
+                                            </p:txEl>
+                                          </p:spTgt>
+                                        </p:tgtEl>
+                                        <p:attrNameLst>
+                                          <p:attrName>ppt_y</p:attrName>
+                                        </p:attrNameLst>
+                                      </p:cBhvr>
+                                      <p:tavLst>
+                                        <p:tav tm="0">
+                                          <p:val>
+                                            <p:strVal val="#ppt_y+.1"/>
+                                          </p:val>
+                                        </p:tav>
+                                        <p:tav tm="100000">
+                                          <p:val>
+                                            <p:strVal val="#ppt_y"/>
+                                          </p:val>
+                                        </p:tav>
+                                      </p:tavLst>
+                                    </p:anim>
+                                  </p:childTnLst>
+                                </p:cTn>
+                              </p:par>
+                            </p:childTnLst>
+                          </p:cTn>
+                        </p:par>
+                      </p:childTnLst>
+                    </p:cTn>
+                  </p:par>
+                  <p:par>
+                    <p:cTn id="10" fill="hold">
+                      <p:stCondLst>
+                        <p:cond delay="indefinite"/>
+                      </p:stCondLst>
+                      <p:childTnLst>
+                        <p:par>
+                          <p:cTn id="11" fill="hold">
+                            <p:stCondLst>
+                              <p:cond delay="0"/>
+                            </p:stCondLst>
+                            <p:childTnLst>
+                              <p:par>
+                                <p:cTn id="12" presetID="22" presetClass="entr" presetSubtype="4" fill="hold" nodeType="clickEffect">
+                                  <p:stCondLst>
+                                    <p:cond delay="0"/>
+                                  </p:stCondLst>
+                                  <p:childTnLst>
+                                    <p:set>
+                                      <p:cBhvr>
+                                        <p:cTn id="13" dur="1" fill="hold">
+                                          <p:stCondLst>
+                                            <p:cond delay="0"/>
+                                          </p:stCondLst>
+                                        </p:cTn>
+                                        <p:tgtEl>
+                                          <p:spTgt spid="4">
+                                            <p:txEl>
+                                              <p:pRg st="0" end="0"/>
+                                            </p:txEl>
+                                          </p:spTgt>
+                                        </p:tgtEl>
+                                        <p:attrNameLst>
+                                          <p:attrName>style.visibility</p:attrName>
+                                        </p:attrNameLst>
+                                      </p:cBhvr>
+                                      <p:to>
+                                        <p:strVal val="visible"/>
+                                      </p:to>
+                                    </p:set>
+                                    <p:animEffect transition="in" filter="wipe(down)">
+                                      <p:cBhvr>
+                                        <p:cTn id="14" dur="500"/>
+                                        <p:tgtEl>
+                                          <p:spTgt spid="4">
+                                            <p:txEl>
+                                              <p:pRg st="0" end="0"/>
+                                            </p:txEl>
+                                          </p:spTgt>
+                                        </p:tgtEl>
+                                      </p:cBhvr>
+                                    </p:animEffect>
+                                  </p:childTnLst>
+                                </p:cTn>
+                              </p:par>
+                            </p:childTnLst>
+                          </p:cTn>
+                        </p:par>
+                      </p:childTnLst>
+                    </p:cTn>
+                  </p:par>
+                  <p:par>
+                    <p:cTn id="15" fill="hold">
+                      <p:stCondLst>
+                        <p:cond delay="indefinite"/>
+                      </p:stCondLst>
+                      <p:childTnLst>
+                        <p:par>
+                          <p:cTn id="16" fill="hold">
+                            <p:stCondLst>
+                              <p:cond delay="0"/>
+                            </p:stCondLst>
+                            <p:childTnLst>
+                              <p:par>
+                                <p:cTn id="17" presetID="22" presetClass="entr" presetSubtype="4" fill="hold" nodeType="clickEffect">
+                                  <p:stCondLst>
+                                    <p:cond delay="0"/>
+                                  </p:stCondLst>
+                                  <p:childTnLst>
+                                    <p:set>
+                                      <p:cBhvr>
+                                        <p:cTn id="18" dur="1" fill="hold">
+                                          <p:stCondLst>
+                                            <p:cond delay="0"/>
+                                          </p:stCondLst>
+                                        </p:cTn>
+                                        <p:tgtEl>
+                                          <p:spTgt spid="4">
+                                            <p:txEl>
+                                              <p:pRg st="1" end="1"/>
+                                            </p:txEl>
+                                          </p:spTgt>
+                                        </p:tgtEl>
+                                        <p:attrNameLst>
+                                          <p:attrName>style.visibility</p:attrName>
+                                        </p:attrNameLst>
+                                      </p:cBhvr>
+                                      <p:to>
+                                        <p:strVal val="visible"/>
+                                      </p:to>
+                                    </p:set>
+                                    <p:animEffect transition="in" filter="wipe(down)">
+                                      <p:cBhvr>
+                                        <p:cTn id="19" dur="500"/>
+                                        <p:tgtEl>
+                                          <p:spTgt spid="4">
+                                            <p:txEl>
+                                              <p:pRg st="1" end="1"/>
+                                            </p:txEl>
+                                          </p:spTgt>
+                                        </p:tgtEl>
+                                      </p:cBhvr>
+                                    </p:animEffect>
+                                  </p:childTnLst>
+                                </p:cTn>
+                              </p:par>
+                            </p:childTnLst>
+                          </p:cTn>
+                        </p:par>
+                      </p:childTnLst>
+                    </p:cTn>
+                  </p:par>
+                </p:childTnLst>
+              </p:cTn>
+              <p:prevCondLst>
+                <p:cond evt="onPrev" delay="0">
+                  <p:tgtEl>
+                    <p:sldTgt/>
+                  </p:tgtEl>
+                </p:cond>
+              </p:prevCondLst>
+              <p:nextCondLst>
+                <p:cond evt="onNext" delay="0">
+                  <p:tgtEl>
+                    <p:sldTgt/>
+                  </p:tgtEl>
+                </p:cond>
+              </p:nextCondLst>
+            </p:seq>
+          </p:childTnLst>
+        </p:cTn>
       </p:par>
     </p:tnLst>
   </p:timing>
